--- a/A night out at the SU (2).pptx
+++ b/A night out at the SU (2).pptx
@@ -4,21 +4,25 @@
   <p:sldMasterIdLst>
     <p:sldMasterId id="2147483985" r:id="rId1"/>
   </p:sldMasterIdLst>
+  <p:notesMasterIdLst>
+    <p:notesMasterId r:id="rId17"/>
+  </p:notesMasterIdLst>
   <p:sldIdLst>
     <p:sldId id="256" r:id="rId2"/>
     <p:sldId id="257" r:id="rId3"/>
-    <p:sldId id="259" r:id="rId4"/>
-    <p:sldId id="261" r:id="rId5"/>
-    <p:sldId id="262" r:id="rId6"/>
-    <p:sldId id="263" r:id="rId7"/>
-    <p:sldId id="264" r:id="rId8"/>
-    <p:sldId id="266" r:id="rId9"/>
-    <p:sldId id="268" r:id="rId10"/>
-    <p:sldId id="265" r:id="rId11"/>
-    <p:sldId id="269" r:id="rId12"/>
-    <p:sldId id="270" r:id="rId13"/>
-    <p:sldId id="260" r:id="rId14"/>
-    <p:sldId id="267" r:id="rId15"/>
+    <p:sldId id="261" r:id="rId4"/>
+    <p:sldId id="259" r:id="rId5"/>
+    <p:sldId id="271" r:id="rId6"/>
+    <p:sldId id="262" r:id="rId7"/>
+    <p:sldId id="263" r:id="rId8"/>
+    <p:sldId id="264" r:id="rId9"/>
+    <p:sldId id="266" r:id="rId10"/>
+    <p:sldId id="268" r:id="rId11"/>
+    <p:sldId id="265" r:id="rId12"/>
+    <p:sldId id="269" r:id="rId13"/>
+    <p:sldId id="270" r:id="rId14"/>
+    <p:sldId id="260" r:id="rId15"/>
+    <p:sldId id="267" r:id="rId16"/>
   </p:sldIdLst>
   <p:sldSz cx="12192000" cy="6858000"/>
   <p:notesSz cx="6858000" cy="9144000"/>
@@ -123,6 +127,554 @@
     </p:ext>
   </p:extLst>
 </p:presentation>
+</file>
+
+<file path=ppt/notesMasters/notesMaster1.xml><?xml version="1.0" encoding="utf-8"?>
+<p:notesMaster xmlns:a="http://schemas.openxmlformats.org/drawingml/2006/main" xmlns:r="http://schemas.openxmlformats.org/officeDocument/2006/relationships" xmlns:p="http://schemas.openxmlformats.org/presentationml/2006/main">
+  <p:cSld>
+    <p:bg>
+      <p:bgRef idx="1001">
+        <a:schemeClr val="bg1"/>
+      </p:bgRef>
+    </p:bg>
+    <p:spTree>
+      <p:nvGrpSpPr>
+        <p:cNvPr id="1" name=""/>
+        <p:cNvGrpSpPr/>
+        <p:nvPr/>
+      </p:nvGrpSpPr>
+      <p:grpSpPr>
+        <a:xfrm>
+          <a:off x="0" y="0"/>
+          <a:ext cx="0" cy="0"/>
+          <a:chOff x="0" y="0"/>
+          <a:chExt cx="0" cy="0"/>
+        </a:xfrm>
+      </p:grpSpPr>
+      <p:sp>
+        <p:nvSpPr>
+          <p:cNvPr id="2" name="Header Placeholder 1"/>
+          <p:cNvSpPr>
+            <a:spLocks noGrp="1"/>
+          </p:cNvSpPr>
+          <p:nvPr>
+            <p:ph type="hdr" sz="quarter"/>
+          </p:nvPr>
+        </p:nvSpPr>
+        <p:spPr>
+          <a:xfrm>
+            <a:off x="0" y="0"/>
+            <a:ext cx="2971800" cy="458788"/>
+          </a:xfrm>
+          <a:prstGeom prst="rect">
+            <a:avLst/>
+          </a:prstGeom>
+        </p:spPr>
+        <p:txBody>
+          <a:bodyPr vert="horz" lIns="91440" tIns="45720" rIns="91440" bIns="45720" rtlCol="0"/>
+          <a:lstStyle>
+            <a:lvl1pPr algn="l">
+              <a:defRPr sz="1200"/>
+            </a:lvl1pPr>
+          </a:lstStyle>
+          <a:p>
+            <a:endParaRPr lang="en-GB"/>
+          </a:p>
+        </p:txBody>
+      </p:sp>
+      <p:sp>
+        <p:nvSpPr>
+          <p:cNvPr id="3" name="Date Placeholder 2"/>
+          <p:cNvSpPr>
+            <a:spLocks noGrp="1"/>
+          </p:cNvSpPr>
+          <p:nvPr>
+            <p:ph type="dt" idx="1"/>
+          </p:nvPr>
+        </p:nvSpPr>
+        <p:spPr>
+          <a:xfrm>
+            <a:off x="3884613" y="0"/>
+            <a:ext cx="2971800" cy="458788"/>
+          </a:xfrm>
+          <a:prstGeom prst="rect">
+            <a:avLst/>
+          </a:prstGeom>
+        </p:spPr>
+        <p:txBody>
+          <a:bodyPr vert="horz" lIns="91440" tIns="45720" rIns="91440" bIns="45720" rtlCol="0"/>
+          <a:lstStyle>
+            <a:lvl1pPr algn="r">
+              <a:defRPr sz="1200"/>
+            </a:lvl1pPr>
+          </a:lstStyle>
+          <a:p>
+            <a:fld id="{4E86A36D-18AE-41AB-B7A0-363E25BB3111}" type="datetimeFigureOut">
+              <a:rPr lang="en-GB" smtClean="0"/>
+              <a:t>20/10/2016</a:t>
+            </a:fld>
+            <a:endParaRPr lang="en-GB"/>
+          </a:p>
+        </p:txBody>
+      </p:sp>
+      <p:sp>
+        <p:nvSpPr>
+          <p:cNvPr id="4" name="Slide Image Placeholder 3"/>
+          <p:cNvSpPr>
+            <a:spLocks noGrp="1" noRot="1" noChangeAspect="1"/>
+          </p:cNvSpPr>
+          <p:nvPr>
+            <p:ph type="sldImg" idx="2"/>
+          </p:nvPr>
+        </p:nvSpPr>
+        <p:spPr>
+          <a:xfrm>
+            <a:off x="685800" y="1143000"/>
+            <a:ext cx="5486400" cy="3086100"/>
+          </a:xfrm>
+          <a:prstGeom prst="rect">
+            <a:avLst/>
+          </a:prstGeom>
+          <a:noFill/>
+          <a:ln w="12700">
+            <a:solidFill>
+              <a:prstClr val="black"/>
+            </a:solidFill>
+          </a:ln>
+        </p:spPr>
+        <p:txBody>
+          <a:bodyPr vert="horz" lIns="91440" tIns="45720" rIns="91440" bIns="45720" rtlCol="0" anchor="ctr"/>
+          <a:lstStyle/>
+          <a:p>
+            <a:endParaRPr lang="en-GB"/>
+          </a:p>
+        </p:txBody>
+      </p:sp>
+      <p:sp>
+        <p:nvSpPr>
+          <p:cNvPr id="5" name="Notes Placeholder 4"/>
+          <p:cNvSpPr>
+            <a:spLocks noGrp="1"/>
+          </p:cNvSpPr>
+          <p:nvPr>
+            <p:ph type="body" sz="quarter" idx="3"/>
+          </p:nvPr>
+        </p:nvSpPr>
+        <p:spPr>
+          <a:xfrm>
+            <a:off x="685800" y="4400550"/>
+            <a:ext cx="5486400" cy="3600450"/>
+          </a:xfrm>
+          <a:prstGeom prst="rect">
+            <a:avLst/>
+          </a:prstGeom>
+        </p:spPr>
+        <p:txBody>
+          <a:bodyPr vert="horz" lIns="91440" tIns="45720" rIns="91440" bIns="45720" rtlCol="0"/>
+          <a:lstStyle/>
+          <a:p>
+            <a:pPr lvl="0"/>
+            <a:r>
+              <a:rPr lang="en-US" smtClean="0"/>
+              <a:t>Click to edit Master text styles</a:t>
+            </a:r>
+          </a:p>
+          <a:p>
+            <a:pPr lvl="1"/>
+            <a:r>
+              <a:rPr lang="en-US" smtClean="0"/>
+              <a:t>Second level</a:t>
+            </a:r>
+          </a:p>
+          <a:p>
+            <a:pPr lvl="2"/>
+            <a:r>
+              <a:rPr lang="en-US" smtClean="0"/>
+              <a:t>Third level</a:t>
+            </a:r>
+          </a:p>
+          <a:p>
+            <a:pPr lvl="3"/>
+            <a:r>
+              <a:rPr lang="en-US" smtClean="0"/>
+              <a:t>Fourth level</a:t>
+            </a:r>
+          </a:p>
+          <a:p>
+            <a:pPr lvl="4"/>
+            <a:r>
+              <a:rPr lang="en-US" smtClean="0"/>
+              <a:t>Fifth level</a:t>
+            </a:r>
+            <a:endParaRPr lang="en-GB"/>
+          </a:p>
+        </p:txBody>
+      </p:sp>
+      <p:sp>
+        <p:nvSpPr>
+          <p:cNvPr id="6" name="Footer Placeholder 5"/>
+          <p:cNvSpPr>
+            <a:spLocks noGrp="1"/>
+          </p:cNvSpPr>
+          <p:nvPr>
+            <p:ph type="ftr" sz="quarter" idx="4"/>
+          </p:nvPr>
+        </p:nvSpPr>
+        <p:spPr>
+          <a:xfrm>
+            <a:off x="0" y="8685213"/>
+            <a:ext cx="2971800" cy="458787"/>
+          </a:xfrm>
+          <a:prstGeom prst="rect">
+            <a:avLst/>
+          </a:prstGeom>
+        </p:spPr>
+        <p:txBody>
+          <a:bodyPr vert="horz" lIns="91440" tIns="45720" rIns="91440" bIns="45720" rtlCol="0" anchor="b"/>
+          <a:lstStyle>
+            <a:lvl1pPr algn="l">
+              <a:defRPr sz="1200"/>
+            </a:lvl1pPr>
+          </a:lstStyle>
+          <a:p>
+            <a:endParaRPr lang="en-GB"/>
+          </a:p>
+        </p:txBody>
+      </p:sp>
+      <p:sp>
+        <p:nvSpPr>
+          <p:cNvPr id="7" name="Slide Number Placeholder 6"/>
+          <p:cNvSpPr>
+            <a:spLocks noGrp="1"/>
+          </p:cNvSpPr>
+          <p:nvPr>
+            <p:ph type="sldNum" sz="quarter" idx="5"/>
+          </p:nvPr>
+        </p:nvSpPr>
+        <p:spPr>
+          <a:xfrm>
+            <a:off x="3884613" y="8685213"/>
+            <a:ext cx="2971800" cy="458787"/>
+          </a:xfrm>
+          <a:prstGeom prst="rect">
+            <a:avLst/>
+          </a:prstGeom>
+        </p:spPr>
+        <p:txBody>
+          <a:bodyPr vert="horz" lIns="91440" tIns="45720" rIns="91440" bIns="45720" rtlCol="0" anchor="b"/>
+          <a:lstStyle>
+            <a:lvl1pPr algn="r">
+              <a:defRPr sz="1200"/>
+            </a:lvl1pPr>
+          </a:lstStyle>
+          <a:p>
+            <a:fld id="{8EC225F7-6187-4533-A520-06A7E80CF3BA}" type="slidenum">
+              <a:rPr lang="en-GB" smtClean="0"/>
+              <a:t>‹#›</a:t>
+            </a:fld>
+            <a:endParaRPr lang="en-GB"/>
+          </a:p>
+        </p:txBody>
+      </p:sp>
+    </p:spTree>
+    <p:extLst>
+      <p:ext uri="{BB962C8B-B14F-4D97-AF65-F5344CB8AC3E}">
+        <p14:creationId xmlns:p14="http://schemas.microsoft.com/office/powerpoint/2010/main" val="3994624855"/>
+      </p:ext>
+    </p:extLst>
+  </p:cSld>
+  <p:clrMap bg1="lt1" tx1="dk1" bg2="lt2" tx2="dk2" accent1="accent1" accent2="accent2" accent3="accent3" accent4="accent4" accent5="accent5" accent6="accent6" hlink="hlink" folHlink="folHlink"/>
+  <p:notesStyle>
+    <a:lvl1pPr marL="0" algn="l" defTabSz="914400" rtl="0" eaLnBrk="1" latinLnBrk="0" hangingPunct="1">
+      <a:defRPr sz="1200" kern="1200">
+        <a:solidFill>
+          <a:schemeClr val="tx1"/>
+        </a:solidFill>
+        <a:latin typeface="+mn-lt"/>
+        <a:ea typeface="+mn-ea"/>
+        <a:cs typeface="+mn-cs"/>
+      </a:defRPr>
+    </a:lvl1pPr>
+    <a:lvl2pPr marL="457200" algn="l" defTabSz="914400" rtl="0" eaLnBrk="1" latinLnBrk="0" hangingPunct="1">
+      <a:defRPr sz="1200" kern="1200">
+        <a:solidFill>
+          <a:schemeClr val="tx1"/>
+        </a:solidFill>
+        <a:latin typeface="+mn-lt"/>
+        <a:ea typeface="+mn-ea"/>
+        <a:cs typeface="+mn-cs"/>
+      </a:defRPr>
+    </a:lvl2pPr>
+    <a:lvl3pPr marL="914400" algn="l" defTabSz="914400" rtl="0" eaLnBrk="1" latinLnBrk="0" hangingPunct="1">
+      <a:defRPr sz="1200" kern="1200">
+        <a:solidFill>
+          <a:schemeClr val="tx1"/>
+        </a:solidFill>
+        <a:latin typeface="+mn-lt"/>
+        <a:ea typeface="+mn-ea"/>
+        <a:cs typeface="+mn-cs"/>
+      </a:defRPr>
+    </a:lvl3pPr>
+    <a:lvl4pPr marL="1371600" algn="l" defTabSz="914400" rtl="0" eaLnBrk="1" latinLnBrk="0" hangingPunct="1">
+      <a:defRPr sz="1200" kern="1200">
+        <a:solidFill>
+          <a:schemeClr val="tx1"/>
+        </a:solidFill>
+        <a:latin typeface="+mn-lt"/>
+        <a:ea typeface="+mn-ea"/>
+        <a:cs typeface="+mn-cs"/>
+      </a:defRPr>
+    </a:lvl4pPr>
+    <a:lvl5pPr marL="1828800" algn="l" defTabSz="914400" rtl="0" eaLnBrk="1" latinLnBrk="0" hangingPunct="1">
+      <a:defRPr sz="1200" kern="1200">
+        <a:solidFill>
+          <a:schemeClr val="tx1"/>
+        </a:solidFill>
+        <a:latin typeface="+mn-lt"/>
+        <a:ea typeface="+mn-ea"/>
+        <a:cs typeface="+mn-cs"/>
+      </a:defRPr>
+    </a:lvl5pPr>
+    <a:lvl6pPr marL="2286000" algn="l" defTabSz="914400" rtl="0" eaLnBrk="1" latinLnBrk="0" hangingPunct="1">
+      <a:defRPr sz="1200" kern="1200">
+        <a:solidFill>
+          <a:schemeClr val="tx1"/>
+        </a:solidFill>
+        <a:latin typeface="+mn-lt"/>
+        <a:ea typeface="+mn-ea"/>
+        <a:cs typeface="+mn-cs"/>
+      </a:defRPr>
+    </a:lvl6pPr>
+    <a:lvl7pPr marL="2743200" algn="l" defTabSz="914400" rtl="0" eaLnBrk="1" latinLnBrk="0" hangingPunct="1">
+      <a:defRPr sz="1200" kern="1200">
+        <a:solidFill>
+          <a:schemeClr val="tx1"/>
+        </a:solidFill>
+        <a:latin typeface="+mn-lt"/>
+        <a:ea typeface="+mn-ea"/>
+        <a:cs typeface="+mn-cs"/>
+      </a:defRPr>
+    </a:lvl7pPr>
+    <a:lvl8pPr marL="3200400" algn="l" defTabSz="914400" rtl="0" eaLnBrk="1" latinLnBrk="0" hangingPunct="1">
+      <a:defRPr sz="1200" kern="1200">
+        <a:solidFill>
+          <a:schemeClr val="tx1"/>
+        </a:solidFill>
+        <a:latin typeface="+mn-lt"/>
+        <a:ea typeface="+mn-ea"/>
+        <a:cs typeface="+mn-cs"/>
+      </a:defRPr>
+    </a:lvl8pPr>
+    <a:lvl9pPr marL="3657600" algn="l" defTabSz="914400" rtl="0" eaLnBrk="1" latinLnBrk="0" hangingPunct="1">
+      <a:defRPr sz="1200" kern="1200">
+        <a:solidFill>
+          <a:schemeClr val="tx1"/>
+        </a:solidFill>
+        <a:latin typeface="+mn-lt"/>
+        <a:ea typeface="+mn-ea"/>
+        <a:cs typeface="+mn-cs"/>
+      </a:defRPr>
+    </a:lvl9pPr>
+  </p:notesStyle>
+</p:notesMaster>
+</file>
+
+<file path=ppt/notesSlides/notesSlide1.xml><?xml version="1.0" encoding="utf-8"?>
+<p:notes xmlns:a="http://schemas.openxmlformats.org/drawingml/2006/main" xmlns:r="http://schemas.openxmlformats.org/officeDocument/2006/relationships" xmlns:p="http://schemas.openxmlformats.org/presentationml/2006/main">
+  <p:cSld>
+    <p:spTree>
+      <p:nvGrpSpPr>
+        <p:cNvPr id="1" name=""/>
+        <p:cNvGrpSpPr/>
+        <p:nvPr/>
+      </p:nvGrpSpPr>
+      <p:grpSpPr>
+        <a:xfrm>
+          <a:off x="0" y="0"/>
+          <a:ext cx="0" cy="0"/>
+          <a:chOff x="0" y="0"/>
+          <a:chExt cx="0" cy="0"/>
+        </a:xfrm>
+      </p:grpSpPr>
+      <p:sp>
+        <p:nvSpPr>
+          <p:cNvPr id="2" name="Slide Image Placeholder 1"/>
+          <p:cNvSpPr>
+            <a:spLocks noGrp="1" noRot="1" noChangeAspect="1"/>
+          </p:cNvSpPr>
+          <p:nvPr>
+            <p:ph type="sldImg"/>
+          </p:nvPr>
+        </p:nvSpPr>
+        <p:spPr/>
+      </p:sp>
+      <p:sp>
+        <p:nvSpPr>
+          <p:cNvPr id="3" name="Notes Placeholder 2"/>
+          <p:cNvSpPr>
+            <a:spLocks noGrp="1"/>
+          </p:cNvSpPr>
+          <p:nvPr>
+            <p:ph type="body" idx="1"/>
+          </p:nvPr>
+        </p:nvSpPr>
+        <p:spPr/>
+        <p:txBody>
+          <a:bodyPr/>
+          <a:lstStyle/>
+          <a:p>
+            <a:r>
+              <a:rPr lang="en-GB" dirty="0" smtClean="0"/>
+              <a:t>Theme – whether </a:t>
+            </a:r>
+            <a:r>
+              <a:rPr lang="en-GB" dirty="0" err="1" smtClean="0"/>
+              <a:t>uni</a:t>
+            </a:r>
+            <a:r>
+              <a:rPr lang="en-GB" dirty="0" smtClean="0"/>
+              <a:t> students (play</a:t>
+            </a:r>
+            <a:r>
+              <a:rPr lang="en-GB" baseline="0" dirty="0" smtClean="0"/>
+              <a:t> to relive last Saturday night, without fear of hangover), or adults to reminisce about their past experiences, or to see if anything has changed</a:t>
+            </a:r>
+          </a:p>
+          <a:p>
+            <a:r>
+              <a:rPr lang="en-GB" baseline="0" dirty="0" smtClean="0"/>
+              <a:t>Elements – Ring of fire like a mini-game, </a:t>
+            </a:r>
+          </a:p>
+          <a:p>
+            <a:r>
+              <a:rPr lang="en-GB" baseline="0" dirty="0" smtClean="0"/>
+              <a:t>Characteristics – Having their name, gender, smoking status chosen at the start. Random events also make every game unique</a:t>
+            </a:r>
+          </a:p>
+          <a:p>
+            <a:endParaRPr lang="en-GB" dirty="0"/>
+          </a:p>
+        </p:txBody>
+      </p:sp>
+      <p:sp>
+        <p:nvSpPr>
+          <p:cNvPr id="4" name="Slide Number Placeholder 3"/>
+          <p:cNvSpPr>
+            <a:spLocks noGrp="1"/>
+          </p:cNvSpPr>
+          <p:nvPr>
+            <p:ph type="sldNum" sz="quarter" idx="10"/>
+          </p:nvPr>
+        </p:nvSpPr>
+        <p:spPr/>
+        <p:txBody>
+          <a:bodyPr/>
+          <a:lstStyle/>
+          <a:p>
+            <a:fld id="{8EC225F7-6187-4533-A520-06A7E80CF3BA}" type="slidenum">
+              <a:rPr lang="en-GB" smtClean="0"/>
+              <a:t>3</a:t>
+            </a:fld>
+            <a:endParaRPr lang="en-GB"/>
+          </a:p>
+        </p:txBody>
+      </p:sp>
+    </p:spTree>
+    <p:extLst>
+      <p:ext uri="{BB962C8B-B14F-4D97-AF65-F5344CB8AC3E}">
+        <p14:creationId xmlns:p14="http://schemas.microsoft.com/office/powerpoint/2010/main" val="1675547589"/>
+      </p:ext>
+    </p:extLst>
+  </p:cSld>
+  <p:clrMapOvr>
+    <a:masterClrMapping/>
+  </p:clrMapOvr>
+</p:notes>
+</file>
+
+<file path=ppt/notesSlides/notesSlide2.xml><?xml version="1.0" encoding="utf-8"?>
+<p:notes xmlns:a="http://schemas.openxmlformats.org/drawingml/2006/main" xmlns:r="http://schemas.openxmlformats.org/officeDocument/2006/relationships" xmlns:p="http://schemas.openxmlformats.org/presentationml/2006/main">
+  <p:cSld>
+    <p:spTree>
+      <p:nvGrpSpPr>
+        <p:cNvPr id="1" name=""/>
+        <p:cNvGrpSpPr/>
+        <p:nvPr/>
+      </p:nvGrpSpPr>
+      <p:grpSpPr>
+        <a:xfrm>
+          <a:off x="0" y="0"/>
+          <a:ext cx="0" cy="0"/>
+          <a:chOff x="0" y="0"/>
+          <a:chExt cx="0" cy="0"/>
+        </a:xfrm>
+      </p:grpSpPr>
+      <p:sp>
+        <p:nvSpPr>
+          <p:cNvPr id="2" name="Slide Image Placeholder 1"/>
+          <p:cNvSpPr>
+            <a:spLocks noGrp="1" noRot="1" noChangeAspect="1"/>
+          </p:cNvSpPr>
+          <p:nvPr>
+            <p:ph type="sldImg"/>
+          </p:nvPr>
+        </p:nvSpPr>
+        <p:spPr/>
+      </p:sp>
+      <p:sp>
+        <p:nvSpPr>
+          <p:cNvPr id="3" name="Notes Placeholder 2"/>
+          <p:cNvSpPr>
+            <a:spLocks noGrp="1"/>
+          </p:cNvSpPr>
+          <p:nvPr>
+            <p:ph type="body" idx="1"/>
+          </p:nvPr>
+        </p:nvSpPr>
+        <p:spPr/>
+        <p:txBody>
+          <a:bodyPr/>
+          <a:lstStyle/>
+          <a:p>
+            <a:endParaRPr lang="en-GB" dirty="0"/>
+          </a:p>
+        </p:txBody>
+      </p:sp>
+      <p:sp>
+        <p:nvSpPr>
+          <p:cNvPr id="4" name="Slide Number Placeholder 3"/>
+          <p:cNvSpPr>
+            <a:spLocks noGrp="1"/>
+          </p:cNvSpPr>
+          <p:nvPr>
+            <p:ph type="sldNum" sz="quarter" idx="10"/>
+          </p:nvPr>
+        </p:nvSpPr>
+        <p:spPr/>
+        <p:txBody>
+          <a:bodyPr/>
+          <a:lstStyle/>
+          <a:p>
+            <a:fld id="{8EC225F7-6187-4533-A520-06A7E80CF3BA}" type="slidenum">
+              <a:rPr lang="en-GB" smtClean="0"/>
+              <a:t>9</a:t>
+            </a:fld>
+            <a:endParaRPr lang="en-GB"/>
+          </a:p>
+        </p:txBody>
+      </p:sp>
+    </p:spTree>
+    <p:extLst>
+      <p:ext uri="{BB962C8B-B14F-4D97-AF65-F5344CB8AC3E}">
+        <p14:creationId xmlns:p14="http://schemas.microsoft.com/office/powerpoint/2010/main" val="807014115"/>
+      </p:ext>
+    </p:extLst>
+  </p:cSld>
+  <p:clrMapOvr>
+    <a:masterClrMapping/>
+  </p:clrMapOvr>
+</p:notes>
 </file>
 
 <file path=ppt/slideLayouts/slideLayout1.xml><?xml version="1.0" encoding="utf-8"?>
@@ -627,7 +1179,7 @@
           <a:p>
             <a:fld id="{74E56147-7E70-461E-8AFD-B3360EB81720}" type="datetimeFigureOut">
               <a:rPr lang="en-GB" smtClean="0"/>
-              <a:t>19/10/2016</a:t>
+              <a:t>20/10/2016</a:t>
             </a:fld>
             <a:endParaRPr lang="en-GB"/>
           </a:p>
@@ -928,7 +1480,7 @@
           <a:p>
             <a:fld id="{74E56147-7E70-461E-8AFD-B3360EB81720}" type="datetimeFigureOut">
               <a:rPr lang="en-GB" smtClean="0"/>
-              <a:t>19/10/2016</a:t>
+              <a:t>20/10/2016</a:t>
             </a:fld>
             <a:endParaRPr lang="en-GB"/>
           </a:p>
@@ -1176,7 +1728,7 @@
           <a:p>
             <a:fld id="{74E56147-7E70-461E-8AFD-B3360EB81720}" type="datetimeFigureOut">
               <a:rPr lang="en-GB" smtClean="0"/>
-              <a:t>19/10/2016</a:t>
+              <a:t>20/10/2016</a:t>
             </a:fld>
             <a:endParaRPr lang="en-GB"/>
           </a:p>
@@ -1716,7 +2268,7 @@
           <a:p>
             <a:fld id="{74E56147-7E70-461E-8AFD-B3360EB81720}" type="datetimeFigureOut">
               <a:rPr lang="en-GB" smtClean="0"/>
-              <a:t>19/10/2016</a:t>
+              <a:t>20/10/2016</a:t>
             </a:fld>
             <a:endParaRPr lang="en-GB"/>
           </a:p>
@@ -1964,7 +2516,7 @@
           <a:p>
             <a:fld id="{74E56147-7E70-461E-8AFD-B3360EB81720}" type="datetimeFigureOut">
               <a:rPr lang="en-GB" smtClean="0"/>
-              <a:t>19/10/2016</a:t>
+              <a:t>20/10/2016</a:t>
             </a:fld>
             <a:endParaRPr lang="en-GB"/>
           </a:p>
@@ -2496,7 +3048,7 @@
           <a:p>
             <a:fld id="{74E56147-7E70-461E-8AFD-B3360EB81720}" type="datetimeFigureOut">
               <a:rPr lang="en-GB" smtClean="0"/>
-              <a:t>19/10/2016</a:t>
+              <a:t>20/10/2016</a:t>
             </a:fld>
             <a:endParaRPr lang="en-GB"/>
           </a:p>
@@ -2793,7 +3345,7 @@
           <a:p>
             <a:fld id="{74E56147-7E70-461E-8AFD-B3360EB81720}" type="datetimeFigureOut">
               <a:rPr lang="en-GB" smtClean="0"/>
-              <a:t>19/10/2016</a:t>
+              <a:t>20/10/2016</a:t>
             </a:fld>
             <a:endParaRPr lang="en-GB"/>
           </a:p>
@@ -2967,7 +3519,7 @@
           <a:p>
             <a:fld id="{74E56147-7E70-461E-8AFD-B3360EB81720}" type="datetimeFigureOut">
               <a:rPr lang="en-GB" smtClean="0"/>
-              <a:t>19/10/2016</a:t>
+              <a:t>20/10/2016</a:t>
             </a:fld>
             <a:endParaRPr lang="en-GB"/>
           </a:p>
@@ -3147,7 +3699,7 @@
           <a:p>
             <a:fld id="{74E56147-7E70-461E-8AFD-B3360EB81720}" type="datetimeFigureOut">
               <a:rPr lang="en-GB" smtClean="0"/>
-              <a:t>19/10/2016</a:t>
+              <a:t>20/10/2016</a:t>
             </a:fld>
             <a:endParaRPr lang="en-GB"/>
           </a:p>
@@ -3322,7 +3874,7 @@
           <a:p>
             <a:fld id="{74E56147-7E70-461E-8AFD-B3360EB81720}" type="datetimeFigureOut">
               <a:rPr lang="en-GB" smtClean="0"/>
-              <a:t>19/10/2016</a:t>
+              <a:t>20/10/2016</a:t>
             </a:fld>
             <a:endParaRPr lang="en-GB"/>
           </a:p>
@@ -3573,7 +4125,7 @@
           <a:p>
             <a:fld id="{74E56147-7E70-461E-8AFD-B3360EB81720}" type="datetimeFigureOut">
               <a:rPr lang="en-GB" smtClean="0"/>
-              <a:t>19/10/2016</a:t>
+              <a:t>20/10/2016</a:t>
             </a:fld>
             <a:endParaRPr lang="en-GB"/>
           </a:p>
@@ -3875,7 +4427,7 @@
           <a:p>
             <a:fld id="{74E56147-7E70-461E-8AFD-B3360EB81720}" type="datetimeFigureOut">
               <a:rPr lang="en-GB" smtClean="0"/>
-              <a:t>19/10/2016</a:t>
+              <a:t>20/10/2016</a:t>
             </a:fld>
             <a:endParaRPr lang="en-GB"/>
           </a:p>
@@ -4317,7 +4869,7 @@
           <a:p>
             <a:fld id="{74E56147-7E70-461E-8AFD-B3360EB81720}" type="datetimeFigureOut">
               <a:rPr lang="en-GB" smtClean="0"/>
-              <a:t>19/10/2016</a:t>
+              <a:t>20/10/2016</a:t>
             </a:fld>
             <a:endParaRPr lang="en-GB"/>
           </a:p>
@@ -4435,7 +4987,7 @@
           <a:p>
             <a:fld id="{74E56147-7E70-461E-8AFD-B3360EB81720}" type="datetimeFigureOut">
               <a:rPr lang="en-GB" smtClean="0"/>
-              <a:t>19/10/2016</a:t>
+              <a:t>20/10/2016</a:t>
             </a:fld>
             <a:endParaRPr lang="en-GB"/>
           </a:p>
@@ -4530,7 +5082,7 @@
           <a:p>
             <a:fld id="{74E56147-7E70-461E-8AFD-B3360EB81720}" type="datetimeFigureOut">
               <a:rPr lang="en-GB" smtClean="0"/>
-              <a:t>19/10/2016</a:t>
+              <a:t>20/10/2016</a:t>
             </a:fld>
             <a:endParaRPr lang="en-GB"/>
           </a:p>
@@ -4818,7 +5370,7 @@
           <a:p>
             <a:fld id="{74E56147-7E70-461E-8AFD-B3360EB81720}" type="datetimeFigureOut">
               <a:rPr lang="en-GB" smtClean="0"/>
-              <a:t>19/10/2016</a:t>
+              <a:t>20/10/2016</a:t>
             </a:fld>
             <a:endParaRPr lang="en-GB"/>
           </a:p>
@@ -5114,7 +5666,7 @@
           <a:p>
             <a:fld id="{74E56147-7E70-461E-8AFD-B3360EB81720}" type="datetimeFigureOut">
               <a:rPr lang="en-GB" smtClean="0"/>
-              <a:t>19/10/2016</a:t>
+              <a:t>20/10/2016</a:t>
             </a:fld>
             <a:endParaRPr lang="en-GB"/>
           </a:p>
@@ -5644,7 +6196,7 @@
           <a:p>
             <a:fld id="{74E56147-7E70-461E-8AFD-B3360EB81720}" type="datetimeFigureOut">
               <a:rPr lang="en-GB" smtClean="0"/>
-              <a:t>19/10/2016</a:t>
+              <a:t>20/10/2016</a:t>
             </a:fld>
             <a:endParaRPr lang="en-GB"/>
           </a:p>
@@ -6339,207 +6891,39 @@
           <a:chExt cx="0" cy="0"/>
         </a:xfrm>
       </p:grpSpPr>
-      <p:sp>
-        <p:nvSpPr>
-          <p:cNvPr id="2" name="Title 1"/>
-          <p:cNvSpPr>
-            <a:spLocks noGrp="1"/>
-          </p:cNvSpPr>
-          <p:nvPr>
-            <p:ph type="title"/>
-          </p:nvPr>
-        </p:nvSpPr>
+      <p:pic>
+        <p:nvPicPr>
+          <p:cNvPr id="6" name="Content Placeholder 5" descr="Screen Clipping"/>
+          <p:cNvPicPr>
+            <a:picLocks noGrp="1" noChangeAspect="1"/>
+          </p:cNvPicPr>
+          <p:nvPr>
+            <p:ph idx="1"/>
+          </p:nvPr>
+        </p:nvPicPr>
+        <p:blipFill>
+          <a:blip r:embed="rId2">
+            <a:extLst>
+              <a:ext uri="{28A0092B-C50C-407E-A947-70E740481C1C}">
+                <a14:useLocalDpi xmlns:a14="http://schemas.microsoft.com/office/drawing/2010/main" val="0"/>
+              </a:ext>
+            </a:extLst>
+          </a:blip>
+          <a:stretch>
+            <a:fillRect/>
+          </a:stretch>
+        </p:blipFill>
         <p:spPr>
           <a:xfrm>
-            <a:off x="1497562" y="-255103"/>
-            <a:ext cx="10018713" cy="1752599"/>
+            <a:off x="2504208" y="344557"/>
+            <a:ext cx="8819525" cy="6195391"/>
           </a:xfrm>
         </p:spPr>
-        <p:txBody>
-          <a:bodyPr>
-            <a:normAutofit/>
-          </a:bodyPr>
-          <a:lstStyle/>
-          <a:p>
-            <a:r>
-              <a:rPr lang="en-GB" sz="5400" b="1" dirty="0">
-                <a:solidFill>
-                  <a:schemeClr val="accent4">
-                    <a:lumMod val="75000"/>
-                  </a:schemeClr>
-                </a:solidFill>
-              </a:rPr>
-              <a:t>Distribution of workload</a:t>
-            </a:r>
-          </a:p>
-        </p:txBody>
-      </p:sp>
-      <p:sp>
-        <p:nvSpPr>
-          <p:cNvPr id="3" name="Content Placeholder 2"/>
-          <p:cNvSpPr>
-            <a:spLocks noGrp="1"/>
-          </p:cNvSpPr>
-          <p:nvPr>
-            <p:ph idx="1"/>
-          </p:nvPr>
-        </p:nvSpPr>
-        <p:spPr>
-          <a:xfrm>
-            <a:off x="1802362" y="1285461"/>
-            <a:ext cx="10018713" cy="5234609"/>
-          </a:xfrm>
-        </p:spPr>
-        <p:txBody>
-          <a:bodyPr>
-            <a:normAutofit fontScale="77500" lnSpcReduction="20000"/>
-          </a:bodyPr>
-          <a:lstStyle/>
-          <a:p>
-            <a:pPr marL="0" indent="0">
-              <a:buNone/>
-            </a:pPr>
-            <a:r>
-              <a:rPr lang="en-GB" sz="4100" dirty="0">
-                <a:solidFill>
-                  <a:schemeClr val="accent4">
-                    <a:lumMod val="75000"/>
-                  </a:schemeClr>
-                </a:solidFill>
-              </a:rPr>
-              <a:t>Each team member was given individual tasks depending on their ability so that everybody played a role within the project. This also meant that the people with no coding experience could still participate.</a:t>
-            </a:r>
-          </a:p>
-          <a:p>
-            <a:r>
-              <a:rPr lang="en-GB" sz="4100" dirty="0">
-                <a:solidFill>
-                  <a:schemeClr val="accent4">
-                    <a:lumMod val="75000"/>
-                  </a:schemeClr>
-                </a:solidFill>
-              </a:rPr>
-              <a:t>Ring of fire - Will</a:t>
-            </a:r>
-          </a:p>
-          <a:p>
-            <a:r>
-              <a:rPr lang="en-GB" sz="4100" dirty="0">
-                <a:solidFill>
-                  <a:schemeClr val="accent4">
-                    <a:lumMod val="75000"/>
-                  </a:schemeClr>
-                </a:solidFill>
-              </a:rPr>
-              <a:t>Items, inventory </a:t>
-            </a:r>
-            <a:r>
-              <a:rPr lang="en-GB" sz="4100" dirty="0" err="1">
-                <a:solidFill>
-                  <a:schemeClr val="accent4">
-                    <a:lumMod val="75000"/>
-                  </a:schemeClr>
-                </a:solidFill>
-              </a:rPr>
-              <a:t>etc</a:t>
-            </a:r>
-            <a:r>
-              <a:rPr lang="en-GB" sz="4100" dirty="0">
-                <a:solidFill>
-                  <a:schemeClr val="accent4">
-                    <a:lumMod val="75000"/>
-                  </a:schemeClr>
-                </a:solidFill>
-              </a:rPr>
-              <a:t> - Christian + Ali</a:t>
-            </a:r>
-          </a:p>
-          <a:p>
-            <a:r>
-              <a:rPr lang="en-GB" sz="4100" dirty="0">
-                <a:solidFill>
-                  <a:schemeClr val="accent4">
-                    <a:lumMod val="75000"/>
-                  </a:schemeClr>
-                </a:solidFill>
-              </a:rPr>
-              <a:t>Resident genius - Jack</a:t>
-            </a:r>
-          </a:p>
-          <a:p>
-            <a:r>
-              <a:rPr lang="en-GB" sz="4100" dirty="0">
-                <a:solidFill>
-                  <a:schemeClr val="accent4">
-                    <a:lumMod val="75000"/>
-                  </a:schemeClr>
-                </a:solidFill>
-              </a:rPr>
-              <a:t>Presentation - Rebecca and Ellie</a:t>
-            </a:r>
-          </a:p>
-          <a:p>
-            <a:r>
-              <a:rPr lang="en-GB" sz="4100" dirty="0">
-                <a:solidFill>
-                  <a:schemeClr val="accent4">
-                    <a:lumMod val="75000"/>
-                  </a:schemeClr>
-                </a:solidFill>
-              </a:rPr>
-              <a:t>Poster – Rex</a:t>
-            </a:r>
-          </a:p>
-          <a:p>
-            <a:r>
-              <a:rPr lang="en-GB" sz="4100" dirty="0">
-                <a:solidFill>
-                  <a:schemeClr val="accent4">
-                    <a:lumMod val="75000"/>
-                  </a:schemeClr>
-                </a:solidFill>
-              </a:rPr>
-              <a:t>Map, test </a:t>
-            </a:r>
-            <a:r>
-              <a:rPr lang="en-GB" sz="4100">
-                <a:solidFill>
-                  <a:schemeClr val="accent4">
-                    <a:lumMod val="75000"/>
-                  </a:schemeClr>
-                </a:solidFill>
-              </a:rPr>
-              <a:t>the game </a:t>
-            </a:r>
-            <a:r>
-              <a:rPr lang="en-GB" sz="4100" dirty="0">
-                <a:solidFill>
-                  <a:schemeClr val="accent4">
-                    <a:lumMod val="75000"/>
-                  </a:schemeClr>
-                </a:solidFill>
-              </a:rPr>
-              <a:t>- Ivan</a:t>
-            </a:r>
-          </a:p>
-          <a:p>
-            <a:pPr marL="0" indent="0">
-              <a:buNone/>
-            </a:pPr>
-            <a:endParaRPr lang="en-GB" sz="3200" dirty="0">
-              <a:solidFill>
-                <a:schemeClr val="accent4">
-                  <a:lumMod val="75000"/>
-                </a:schemeClr>
-              </a:solidFill>
-            </a:endParaRPr>
-          </a:p>
-        </p:txBody>
-      </p:sp>
+      </p:pic>
     </p:spTree>
     <p:extLst>
       <p:ext uri="{BB962C8B-B14F-4D97-AF65-F5344CB8AC3E}">
-        <p14:creationId xmlns:p14="http://schemas.microsoft.com/office/powerpoint/2010/main" val="3543646472"/>
+        <p14:creationId xmlns:p14="http://schemas.microsoft.com/office/powerpoint/2010/main" val="3911252559"/>
       </p:ext>
     </p:extLst>
   </p:cSld>
@@ -6581,7 +6965,7 @@
         </p:nvSpPr>
         <p:spPr>
           <a:xfrm>
-            <a:off x="1484310" y="0"/>
+            <a:off x="1497562" y="-255103"/>
             <a:ext cx="10018713" cy="1752599"/>
           </a:xfrm>
         </p:spPr>
@@ -6599,7 +6983,7 @@
                   </a:schemeClr>
                 </a:solidFill>
               </a:rPr>
-              <a:t>Interesting Features</a:t>
+              <a:t>Distribution of workload</a:t>
             </a:r>
           </a:p>
         </p:txBody>
@@ -6616,13 +7000,13 @@
         </p:nvSpPr>
         <p:spPr>
           <a:xfrm>
-            <a:off x="1484310" y="1470992"/>
-            <a:ext cx="10018713" cy="4439478"/>
+            <a:off x="1802362" y="1285461"/>
+            <a:ext cx="10018713" cy="5234609"/>
           </a:xfrm>
         </p:spPr>
         <p:txBody>
           <a:bodyPr>
-            <a:normAutofit/>
+            <a:normAutofit fontScale="77500" lnSpcReduction="20000"/>
           </a:bodyPr>
           <a:lstStyle/>
           <a:p>
@@ -6630,38 +7014,126 @@
               <a:buNone/>
             </a:pPr>
             <a:r>
-              <a:rPr lang="en-GB" sz="3200" dirty="0">
+              <a:rPr lang="en-GB" sz="4100" dirty="0">
                 <a:solidFill>
                   <a:schemeClr val="accent4">
                     <a:lumMod val="75000"/>
                   </a:schemeClr>
                 </a:solidFill>
               </a:rPr>
-              <a:t>We added interesting features to our game in hope that we would attract more people and make text based adventure games more fun!!</a:t>
-            </a:r>
-          </a:p>
-          <a:p>
-            <a:r>
-              <a:rPr lang="en-GB" sz="3200" dirty="0">
+              <a:t>Each team member was given individual tasks depending on their ability so that everybody played a role within the project. This also meant that the people with no coding experience could still participate.</a:t>
+            </a:r>
+          </a:p>
+          <a:p>
+            <a:r>
+              <a:rPr lang="en-GB" sz="4100" dirty="0">
                 <a:solidFill>
                   <a:schemeClr val="accent4">
                     <a:lumMod val="75000"/>
                   </a:schemeClr>
                 </a:solidFill>
               </a:rPr>
-              <a:t>We added music to our game so that when the player is in the club you can listen to the songs. </a:t>
-            </a:r>
-          </a:p>
-          <a:p>
-            <a:r>
-              <a:rPr lang="en-GB" sz="3200" dirty="0">
+              <a:t>Ring of fire - Will</a:t>
+            </a:r>
+          </a:p>
+          <a:p>
+            <a:r>
+              <a:rPr lang="en-GB" sz="4100" dirty="0">
                 <a:solidFill>
                   <a:schemeClr val="accent4">
                     <a:lumMod val="75000"/>
                   </a:schemeClr>
                 </a:solidFill>
               </a:rPr>
-              <a:t>We added ring of fire which is a popular drinking game to make it like a more realistic night out for a student.</a:t>
+              <a:t>Items, inventory </a:t>
+            </a:r>
+            <a:r>
+              <a:rPr lang="en-GB" sz="4100" dirty="0" err="1">
+                <a:solidFill>
+                  <a:schemeClr val="accent4">
+                    <a:lumMod val="75000"/>
+                  </a:schemeClr>
+                </a:solidFill>
+              </a:rPr>
+              <a:t>etc</a:t>
+            </a:r>
+            <a:r>
+              <a:rPr lang="en-GB" sz="4100" dirty="0">
+                <a:solidFill>
+                  <a:schemeClr val="accent4">
+                    <a:lumMod val="75000"/>
+                  </a:schemeClr>
+                </a:solidFill>
+              </a:rPr>
+              <a:t> - Christian + Ali</a:t>
+            </a:r>
+          </a:p>
+          <a:p>
+            <a:r>
+              <a:rPr lang="en-GB" sz="4100" dirty="0">
+                <a:solidFill>
+                  <a:schemeClr val="accent4">
+                    <a:lumMod val="75000"/>
+                  </a:schemeClr>
+                </a:solidFill>
+              </a:rPr>
+              <a:t>Resident genius - Jack</a:t>
+            </a:r>
+          </a:p>
+          <a:p>
+            <a:r>
+              <a:rPr lang="en-GB" sz="4100" dirty="0">
+                <a:solidFill>
+                  <a:schemeClr val="accent4">
+                    <a:lumMod val="75000"/>
+                  </a:schemeClr>
+                </a:solidFill>
+              </a:rPr>
+              <a:t>Presentation - Rebecca and Ellie</a:t>
+            </a:r>
+          </a:p>
+          <a:p>
+            <a:r>
+              <a:rPr lang="en-GB" sz="4100" dirty="0">
+                <a:solidFill>
+                  <a:schemeClr val="accent4">
+                    <a:lumMod val="75000"/>
+                  </a:schemeClr>
+                </a:solidFill>
+              </a:rPr>
+              <a:t>Poster – Rex</a:t>
+            </a:r>
+          </a:p>
+          <a:p>
+            <a:r>
+              <a:rPr lang="en-GB" sz="4100" dirty="0">
+                <a:solidFill>
+                  <a:schemeClr val="accent4">
+                    <a:lumMod val="75000"/>
+                  </a:schemeClr>
+                </a:solidFill>
+              </a:rPr>
+              <a:t>Map, test </a:t>
+            </a:r>
+            <a:r>
+              <a:rPr lang="en-GB" sz="4100">
+                <a:solidFill>
+                  <a:schemeClr val="accent4">
+                    <a:lumMod val="75000"/>
+                  </a:schemeClr>
+                </a:solidFill>
+              </a:rPr>
+              <a:t>the game </a:t>
+            </a:r>
+            <a:r>
+              <a:rPr lang="en-GB" sz="4100" dirty="0">
+                <a:solidFill>
+                  <a:schemeClr val="accent4">
+                    <a:lumMod val="75000"/>
+                  </a:schemeClr>
+                </a:solidFill>
+              </a:rPr>
+              <a:t>- Ivan</a:t>
             </a:r>
           </a:p>
           <a:p>
@@ -6681,7 +7153,7 @@
     </p:spTree>
     <p:extLst>
       <p:ext uri="{BB962C8B-B14F-4D97-AF65-F5344CB8AC3E}">
-        <p14:creationId xmlns:p14="http://schemas.microsoft.com/office/powerpoint/2010/main" val="580249602"/>
+        <p14:creationId xmlns:p14="http://schemas.microsoft.com/office/powerpoint/2010/main" val="3543646472"/>
       </p:ext>
     </p:extLst>
   </p:cSld>
@@ -6741,6 +7213,148 @@
                   </a:schemeClr>
                 </a:solidFill>
               </a:rPr>
+              <a:t>Interesting Features</a:t>
+            </a:r>
+          </a:p>
+        </p:txBody>
+      </p:sp>
+      <p:sp>
+        <p:nvSpPr>
+          <p:cNvPr id="3" name="Content Placeholder 2"/>
+          <p:cNvSpPr>
+            <a:spLocks noGrp="1"/>
+          </p:cNvSpPr>
+          <p:nvPr>
+            <p:ph idx="1"/>
+          </p:nvPr>
+        </p:nvSpPr>
+        <p:spPr>
+          <a:xfrm>
+            <a:off x="1484310" y="1470992"/>
+            <a:ext cx="10018713" cy="4439478"/>
+          </a:xfrm>
+        </p:spPr>
+        <p:txBody>
+          <a:bodyPr>
+            <a:normAutofit/>
+          </a:bodyPr>
+          <a:lstStyle/>
+          <a:p>
+            <a:pPr marL="0" indent="0">
+              <a:buNone/>
+            </a:pPr>
+            <a:r>
+              <a:rPr lang="en-GB" sz="3200" dirty="0">
+                <a:solidFill>
+                  <a:schemeClr val="accent4">
+                    <a:lumMod val="75000"/>
+                  </a:schemeClr>
+                </a:solidFill>
+              </a:rPr>
+              <a:t>We added interesting features to our game in hope that we would attract more people and make text based adventure games more fun!!</a:t>
+            </a:r>
+          </a:p>
+          <a:p>
+            <a:r>
+              <a:rPr lang="en-GB" sz="3200" dirty="0">
+                <a:solidFill>
+                  <a:schemeClr val="accent4">
+                    <a:lumMod val="75000"/>
+                  </a:schemeClr>
+                </a:solidFill>
+              </a:rPr>
+              <a:t>We added music to our game so that when the player is in the club you can listen to the songs. </a:t>
+            </a:r>
+          </a:p>
+          <a:p>
+            <a:r>
+              <a:rPr lang="en-GB" sz="3200" dirty="0">
+                <a:solidFill>
+                  <a:schemeClr val="accent4">
+                    <a:lumMod val="75000"/>
+                  </a:schemeClr>
+                </a:solidFill>
+              </a:rPr>
+              <a:t>We added ring of fire which is a popular drinking game to make it like a more realistic night out for a student.</a:t>
+            </a:r>
+          </a:p>
+          <a:p>
+            <a:pPr marL="0" indent="0">
+              <a:buNone/>
+            </a:pPr>
+            <a:endParaRPr lang="en-GB" sz="3200" dirty="0">
+              <a:solidFill>
+                <a:schemeClr val="accent4">
+                  <a:lumMod val="75000"/>
+                </a:schemeClr>
+              </a:solidFill>
+            </a:endParaRPr>
+          </a:p>
+        </p:txBody>
+      </p:sp>
+    </p:spTree>
+    <p:extLst>
+      <p:ext uri="{BB962C8B-B14F-4D97-AF65-F5344CB8AC3E}">
+        <p14:creationId xmlns:p14="http://schemas.microsoft.com/office/powerpoint/2010/main" val="580249602"/>
+      </p:ext>
+    </p:extLst>
+  </p:cSld>
+  <p:clrMapOvr>
+    <a:masterClrMapping/>
+  </p:clrMapOvr>
+  <p:transition spd="slow">
+    <p:push dir="u"/>
+  </p:transition>
+</p:sld>
+</file>
+
+<file path=ppt/slides/slide13.xml><?xml version="1.0" encoding="utf-8"?>
+<p:sld xmlns:a="http://schemas.openxmlformats.org/drawingml/2006/main" xmlns:r="http://schemas.openxmlformats.org/officeDocument/2006/relationships" xmlns:p="http://schemas.openxmlformats.org/presentationml/2006/main">
+  <p:cSld>
+    <p:spTree>
+      <p:nvGrpSpPr>
+        <p:cNvPr id="1" name=""/>
+        <p:cNvGrpSpPr/>
+        <p:nvPr/>
+      </p:nvGrpSpPr>
+      <p:grpSpPr>
+        <a:xfrm>
+          <a:off x="0" y="0"/>
+          <a:ext cx="0" cy="0"/>
+          <a:chOff x="0" y="0"/>
+          <a:chExt cx="0" cy="0"/>
+        </a:xfrm>
+      </p:grpSpPr>
+      <p:sp>
+        <p:nvSpPr>
+          <p:cNvPr id="2" name="Title 1"/>
+          <p:cNvSpPr>
+            <a:spLocks noGrp="1"/>
+          </p:cNvSpPr>
+          <p:nvPr>
+            <p:ph type="title"/>
+          </p:nvPr>
+        </p:nvSpPr>
+        <p:spPr>
+          <a:xfrm>
+            <a:off x="1484310" y="0"/>
+            <a:ext cx="10018713" cy="1752599"/>
+          </a:xfrm>
+        </p:spPr>
+        <p:txBody>
+          <a:bodyPr>
+            <a:normAutofit/>
+          </a:bodyPr>
+          <a:lstStyle/>
+          <a:p>
+            <a:r>
+              <a:rPr lang="en-GB" sz="5400" b="1" dirty="0">
+                <a:solidFill>
+                  <a:schemeClr val="accent4">
+                    <a:lumMod val="75000"/>
+                  </a:schemeClr>
+                </a:solidFill>
+              </a:rPr>
               <a:t>Why purchase our game?</a:t>
             </a:r>
           </a:p>
@@ -6830,7 +7444,7 @@
 </p:sld>
 </file>
 
-<file path=ppt/slides/slide13.xml><?xml version="1.0" encoding="utf-8"?>
+<file path=ppt/slides/slide14.xml><?xml version="1.0" encoding="utf-8"?>
 <p:sld xmlns:a="http://schemas.openxmlformats.org/drawingml/2006/main" xmlns:r="http://schemas.openxmlformats.org/officeDocument/2006/relationships" xmlns:p="http://schemas.openxmlformats.org/presentationml/2006/main">
   <p:cSld>
     <p:spTree>
@@ -6889,7 +7503,7 @@
 </p:sld>
 </file>
 
-<file path=ppt/slides/slide14.xml><?xml version="1.0" encoding="utf-8"?>
+<file path=ppt/slides/slide15.xml><?xml version="1.0" encoding="utf-8"?>
 <p:sld xmlns:a="http://schemas.openxmlformats.org/drawingml/2006/main" xmlns:r="http://schemas.openxmlformats.org/officeDocument/2006/relationships" xmlns:p="http://schemas.openxmlformats.org/presentationml/2006/main">
   <p:cSld>
     <p:spTree>
@@ -7196,7 +7810,7 @@
         </p:nvSpPr>
         <p:spPr>
           <a:xfrm>
-            <a:off x="1484310" y="0"/>
+            <a:off x="1590329" y="0"/>
             <a:ext cx="10018713" cy="1752599"/>
           </a:xfrm>
         </p:spPr>
@@ -7214,7 +7828,7 @@
                   </a:schemeClr>
                 </a:solidFill>
               </a:rPr>
-              <a:t>Details of implementations</a:t>
+              <a:t>Justification of design decisions</a:t>
             </a:r>
           </a:p>
         </p:txBody>
@@ -7229,19 +7843,138 @@
             <p:ph idx="1"/>
           </p:nvPr>
         </p:nvSpPr>
-        <p:spPr/>
-        <p:txBody>
-          <a:bodyPr/>
+        <p:spPr>
+          <a:xfrm>
+            <a:off x="1484310" y="1600200"/>
+            <a:ext cx="10018713" cy="4335379"/>
+          </a:xfrm>
+        </p:spPr>
+        <p:txBody>
+          <a:bodyPr>
+            <a:noAutofit/>
+          </a:bodyPr>
           <a:lstStyle/>
           <a:p>
-            <a:endParaRPr lang="en-GB"/>
+            <a:pPr marL="0" indent="0">
+              <a:buNone/>
+            </a:pPr>
+            <a:r>
+              <a:rPr lang="en-GB" sz="2800" dirty="0" smtClean="0">
+                <a:solidFill>
+                  <a:schemeClr val="accent4">
+                    <a:lumMod val="75000"/>
+                  </a:schemeClr>
+                </a:solidFill>
+              </a:rPr>
+              <a:t>In the initial meetings we decided on the theme/story of the game and all the elements that would be included. We justified every idea we had to make sure it would benefit the game</a:t>
+            </a:r>
+            <a:endParaRPr lang="en-GB" sz="2800" dirty="0" smtClean="0">
+              <a:solidFill>
+                <a:schemeClr val="accent4">
+                  <a:lumMod val="75000"/>
+                </a:schemeClr>
+              </a:solidFill>
+            </a:endParaRPr>
+          </a:p>
+          <a:p>
+            <a:r>
+              <a:rPr lang="en-GB" sz="2800" dirty="0" smtClean="0">
+                <a:solidFill>
+                  <a:schemeClr val="accent4">
+                    <a:lumMod val="75000"/>
+                  </a:schemeClr>
+                </a:solidFill>
+              </a:rPr>
+              <a:t> Theme was decided as an encouragement for all ages (teen and above) to play text based, retro style games</a:t>
+            </a:r>
+          </a:p>
+          <a:p>
+            <a:r>
+              <a:rPr lang="en-GB" sz="2800" dirty="0">
+                <a:solidFill>
+                  <a:schemeClr val="accent4">
+                    <a:lumMod val="75000"/>
+                  </a:schemeClr>
+                </a:solidFill>
+              </a:rPr>
+              <a:t> </a:t>
+            </a:r>
+            <a:r>
+              <a:rPr lang="en-GB" sz="2800" dirty="0" smtClean="0">
+                <a:solidFill>
+                  <a:schemeClr val="accent4">
+                    <a:lumMod val="75000"/>
+                  </a:schemeClr>
+                </a:solidFill>
+              </a:rPr>
+              <a:t>Having lots of elements to the game, </a:t>
+            </a:r>
+            <a:r>
+              <a:rPr lang="en-GB" sz="2800" dirty="0" err="1" smtClean="0">
+                <a:solidFill>
+                  <a:schemeClr val="accent4">
+                    <a:lumMod val="75000"/>
+                  </a:schemeClr>
+                </a:solidFill>
+              </a:rPr>
+              <a:t>eg</a:t>
+            </a:r>
+            <a:r>
+              <a:rPr lang="en-GB" sz="2800" dirty="0">
+                <a:solidFill>
+                  <a:schemeClr val="accent4">
+                    <a:lumMod val="75000"/>
+                  </a:schemeClr>
+                </a:solidFill>
+              </a:rPr>
+              <a:t> </a:t>
+            </a:r>
+            <a:r>
+              <a:rPr lang="en-GB" sz="2800" dirty="0" smtClean="0">
+                <a:solidFill>
+                  <a:schemeClr val="accent4">
+                    <a:lumMod val="75000"/>
+                  </a:schemeClr>
+                </a:solidFill>
+              </a:rPr>
+              <a:t>ring of fire, makes the game stand out from others</a:t>
+            </a:r>
+          </a:p>
+          <a:p>
+            <a:r>
+              <a:rPr lang="en-GB" sz="2800" dirty="0">
+                <a:solidFill>
+                  <a:schemeClr val="accent4">
+                    <a:lumMod val="75000"/>
+                  </a:schemeClr>
+                </a:solidFill>
+              </a:rPr>
+              <a:t> </a:t>
+            </a:r>
+            <a:r>
+              <a:rPr lang="en-GB" sz="2800" dirty="0" smtClean="0">
+                <a:solidFill>
+                  <a:schemeClr val="accent4">
+                    <a:lumMod val="75000"/>
+                  </a:schemeClr>
+                </a:solidFill>
+              </a:rPr>
+              <a:t>Player characteristics gives each game the opportunity to be unique to the player, as well as the random events that happen throughout the game</a:t>
+            </a:r>
+            <a:endParaRPr lang="en-GB" sz="2800" dirty="0">
+              <a:solidFill>
+                <a:schemeClr val="accent4">
+                  <a:lumMod val="75000"/>
+                </a:schemeClr>
+              </a:solidFill>
+            </a:endParaRPr>
           </a:p>
         </p:txBody>
       </p:sp>
     </p:spTree>
     <p:extLst>
       <p:ext uri="{BB962C8B-B14F-4D97-AF65-F5344CB8AC3E}">
-        <p14:creationId xmlns:p14="http://schemas.microsoft.com/office/powerpoint/2010/main" val="1114746472"/>
+        <p14:creationId xmlns:p14="http://schemas.microsoft.com/office/powerpoint/2010/main" val="1842553996"/>
       </p:ext>
     </p:extLst>
   </p:cSld>
@@ -7283,7 +8016,7 @@
         </p:nvSpPr>
         <p:spPr>
           <a:xfrm>
-            <a:off x="1590329" y="0"/>
+            <a:off x="1484310" y="0"/>
             <a:ext cx="10018713" cy="1752599"/>
           </a:xfrm>
         </p:spPr>
@@ -7301,7 +8034,7 @@
                   </a:schemeClr>
                 </a:solidFill>
               </a:rPr>
-              <a:t>Justification of design decisions</a:t>
+              <a:t>Details of implementations</a:t>
             </a:r>
           </a:p>
         </p:txBody>
@@ -7316,19 +8049,106 @@
             <p:ph idx="1"/>
           </p:nvPr>
         </p:nvSpPr>
-        <p:spPr/>
-        <p:txBody>
-          <a:bodyPr/>
+        <p:spPr>
+          <a:xfrm>
+            <a:off x="1484310" y="1752599"/>
+            <a:ext cx="10018713" cy="3124201"/>
+          </a:xfrm>
+        </p:spPr>
+        <p:txBody>
+          <a:bodyPr>
+            <a:normAutofit/>
+          </a:bodyPr>
           <a:lstStyle/>
           <a:p>
-            <a:endParaRPr lang="en-GB"/>
+            <a:r>
+              <a:rPr lang="en-GB" sz="2800" dirty="0" smtClean="0">
+                <a:solidFill>
+                  <a:schemeClr val="accent4">
+                    <a:lumMod val="75000"/>
+                  </a:schemeClr>
+                </a:solidFill>
+              </a:rPr>
+              <a:t> Using the base template of an adventure game, editing the code to create our base game</a:t>
+            </a:r>
+          </a:p>
+          <a:p>
+            <a:r>
+              <a:rPr lang="en-GB" sz="2800" dirty="0">
+                <a:solidFill>
+                  <a:schemeClr val="accent4">
+                    <a:lumMod val="75000"/>
+                  </a:schemeClr>
+                </a:solidFill>
+              </a:rPr>
+              <a:t> </a:t>
+            </a:r>
+            <a:r>
+              <a:rPr lang="en-GB" sz="2800" dirty="0" smtClean="0">
+                <a:solidFill>
+                  <a:schemeClr val="accent4">
+                    <a:lumMod val="75000"/>
+                  </a:schemeClr>
+                </a:solidFill>
+              </a:rPr>
+              <a:t>Extra code written around base code to enhance and add to the basic game to make it more advance and distinctive to our game </a:t>
+            </a:r>
+          </a:p>
+          <a:p>
+            <a:r>
+              <a:rPr lang="en-GB" sz="2800" dirty="0">
+                <a:solidFill>
+                  <a:schemeClr val="accent4">
+                    <a:lumMod val="75000"/>
+                  </a:schemeClr>
+                </a:solidFill>
+              </a:rPr>
+              <a:t> </a:t>
+            </a:r>
+            <a:r>
+              <a:rPr lang="en-GB" sz="2800" dirty="0" smtClean="0">
+                <a:solidFill>
+                  <a:schemeClr val="accent4">
+                    <a:lumMod val="75000"/>
+                  </a:schemeClr>
+                </a:solidFill>
+              </a:rPr>
+              <a:t>Created lots of files for the different aspects of code </a:t>
+            </a:r>
+            <a:r>
+              <a:rPr lang="en-GB" sz="2800" dirty="0" err="1" smtClean="0">
+                <a:solidFill>
+                  <a:schemeClr val="accent4">
+                    <a:lumMod val="75000"/>
+                  </a:schemeClr>
+                </a:solidFill>
+              </a:rPr>
+              <a:t>eg</a:t>
+            </a:r>
+            <a:r>
+              <a:rPr lang="en-GB" sz="2800" dirty="0" smtClean="0">
+                <a:solidFill>
+                  <a:schemeClr val="accent4">
+                    <a:lumMod val="75000"/>
+                  </a:schemeClr>
+                </a:solidFill>
+              </a:rPr>
+              <a:t> game.py, items.py </a:t>
+            </a:r>
+            <a:endParaRPr lang="en-GB" sz="2800" dirty="0">
+              <a:solidFill>
+                <a:schemeClr val="accent4">
+                  <a:lumMod val="75000"/>
+                </a:schemeClr>
+              </a:solidFill>
+            </a:endParaRPr>
           </a:p>
         </p:txBody>
       </p:sp>
     </p:spTree>
     <p:extLst>
       <p:ext uri="{BB962C8B-B14F-4D97-AF65-F5344CB8AC3E}">
-        <p14:creationId xmlns:p14="http://schemas.microsoft.com/office/powerpoint/2010/main" val="1842553996"/>
+        <p14:creationId xmlns:p14="http://schemas.microsoft.com/office/powerpoint/2010/main" val="1114746472"/>
       </p:ext>
     </p:extLst>
   </p:cSld>
@@ -7342,6 +8162,376 @@
 </file>
 
 <file path=ppt/slides/slide5.xml><?xml version="1.0" encoding="utf-8"?>
+<p:sld xmlns:a="http://schemas.openxmlformats.org/drawingml/2006/main" xmlns:r="http://schemas.openxmlformats.org/officeDocument/2006/relationships" xmlns:p="http://schemas.openxmlformats.org/presentationml/2006/main">
+  <p:cSld>
+    <p:spTree>
+      <p:nvGrpSpPr>
+        <p:cNvPr id="1" name=""/>
+        <p:cNvGrpSpPr/>
+        <p:nvPr/>
+      </p:nvGrpSpPr>
+      <p:grpSpPr>
+        <a:xfrm>
+          <a:off x="0" y="0"/>
+          <a:ext cx="0" cy="0"/>
+          <a:chOff x="0" y="0"/>
+          <a:chExt cx="0" cy="0"/>
+        </a:xfrm>
+      </p:grpSpPr>
+      <p:pic>
+        <p:nvPicPr>
+          <p:cNvPr id="4" name="Content Placeholder 3"/>
+          <p:cNvPicPr>
+            <a:picLocks noGrp="1" noChangeAspect="1"/>
+          </p:cNvPicPr>
+          <p:nvPr>
+            <p:ph idx="1"/>
+          </p:nvPr>
+        </p:nvPicPr>
+        <p:blipFill rotWithShape="1">
+          <a:blip r:embed="rId2"/>
+          <a:srcRect l="19236" t="32102" r="31185" b="11404"/>
+          <a:stretch/>
+        </p:blipFill>
+        <p:spPr>
+          <a:xfrm>
+            <a:off x="3178311" y="2034539"/>
+            <a:ext cx="7311398" cy="4686301"/>
+          </a:xfrm>
+          <a:prstGeom prst="rect">
+            <a:avLst/>
+          </a:prstGeom>
+          <a:ln w="38100">
+            <a:solidFill>
+              <a:schemeClr val="tx2">
+                <a:lumMod val="65000"/>
+                <a:lumOff val="35000"/>
+              </a:schemeClr>
+            </a:solidFill>
+          </a:ln>
+        </p:spPr>
+      </p:pic>
+      <p:sp>
+        <p:nvSpPr>
+          <p:cNvPr id="5" name="Content Placeholder 2"/>
+          <p:cNvSpPr txBox="1">
+            <a:spLocks/>
+          </p:cNvSpPr>
+          <p:nvPr/>
+        </p:nvSpPr>
+        <p:spPr>
+          <a:xfrm>
+            <a:off x="1528011" y="1211352"/>
+            <a:ext cx="10663989" cy="737938"/>
+          </a:xfrm>
+          <a:prstGeom prst="rect">
+            <a:avLst/>
+          </a:prstGeom>
+        </p:spPr>
+        <p:txBody>
+          <a:bodyPr vert="horz" lIns="91440" tIns="45720" rIns="91440" bIns="45720" rtlCol="0" anchor="ctr">
+            <a:noAutofit/>
+          </a:bodyPr>
+          <a:lstStyle>
+            <a:lvl1pPr marL="285750" indent="-285750" algn="l" defTabSz="457200" rtl="0" eaLnBrk="1" latinLnBrk="0" hangingPunct="1">
+              <a:spcBef>
+                <a:spcPct val="20000"/>
+              </a:spcBef>
+              <a:spcAft>
+                <a:spcPts val="600"/>
+              </a:spcAft>
+              <a:buClr>
+                <a:schemeClr val="accent1">
+                  <a:lumMod val="75000"/>
+                </a:schemeClr>
+              </a:buClr>
+              <a:buSzPct val="145000"/>
+              <a:buFont typeface="Arial"/>
+              <a:buChar char="•"/>
+              <a:defRPr sz="2400" kern="1200" cap="none">
+                <a:solidFill>
+                  <a:schemeClr val="tx1"/>
+                </a:solidFill>
+                <a:effectLst/>
+                <a:latin typeface="+mn-lt"/>
+                <a:ea typeface="+mn-ea"/>
+                <a:cs typeface="+mn-cs"/>
+              </a:defRPr>
+            </a:lvl1pPr>
+            <a:lvl2pPr marL="742950" indent="-285750" algn="l" defTabSz="457200" rtl="0" eaLnBrk="1" latinLnBrk="0" hangingPunct="1">
+              <a:spcBef>
+                <a:spcPct val="20000"/>
+              </a:spcBef>
+              <a:spcAft>
+                <a:spcPts val="600"/>
+              </a:spcAft>
+              <a:buClr>
+                <a:schemeClr val="accent1">
+                  <a:lumMod val="75000"/>
+                </a:schemeClr>
+              </a:buClr>
+              <a:buSzPct val="145000"/>
+              <a:buFont typeface="Arial"/>
+              <a:buChar char="•"/>
+              <a:defRPr sz="2000" kern="1200" cap="none">
+                <a:solidFill>
+                  <a:schemeClr val="tx1"/>
+                </a:solidFill>
+                <a:effectLst/>
+                <a:latin typeface="+mn-lt"/>
+                <a:ea typeface="+mn-ea"/>
+                <a:cs typeface="+mn-cs"/>
+              </a:defRPr>
+            </a:lvl2pPr>
+            <a:lvl3pPr marL="1200150" indent="-285750" algn="l" defTabSz="457200" rtl="0" eaLnBrk="1" latinLnBrk="0" hangingPunct="1">
+              <a:spcBef>
+                <a:spcPct val="20000"/>
+              </a:spcBef>
+              <a:spcAft>
+                <a:spcPts val="600"/>
+              </a:spcAft>
+              <a:buClr>
+                <a:schemeClr val="accent1">
+                  <a:lumMod val="75000"/>
+                </a:schemeClr>
+              </a:buClr>
+              <a:buSzPct val="145000"/>
+              <a:buFont typeface="Arial"/>
+              <a:buChar char="•"/>
+              <a:defRPr sz="1800" kern="1200" cap="none">
+                <a:solidFill>
+                  <a:schemeClr val="tx1"/>
+                </a:solidFill>
+                <a:effectLst/>
+                <a:latin typeface="+mn-lt"/>
+                <a:ea typeface="+mn-ea"/>
+                <a:cs typeface="+mn-cs"/>
+              </a:defRPr>
+            </a:lvl3pPr>
+            <a:lvl4pPr marL="1543050" indent="-171450" algn="l" defTabSz="457200" rtl="0" eaLnBrk="1" latinLnBrk="0" hangingPunct="1">
+              <a:spcBef>
+                <a:spcPct val="20000"/>
+              </a:spcBef>
+              <a:spcAft>
+                <a:spcPts val="600"/>
+              </a:spcAft>
+              <a:buClr>
+                <a:schemeClr val="accent1">
+                  <a:lumMod val="75000"/>
+                </a:schemeClr>
+              </a:buClr>
+              <a:buSzPct val="145000"/>
+              <a:buFont typeface="Arial"/>
+              <a:buChar char="•"/>
+              <a:defRPr sz="1600" kern="1200" cap="none">
+                <a:solidFill>
+                  <a:schemeClr val="tx1"/>
+                </a:solidFill>
+                <a:effectLst/>
+                <a:latin typeface="+mn-lt"/>
+                <a:ea typeface="+mn-ea"/>
+                <a:cs typeface="+mn-cs"/>
+              </a:defRPr>
+            </a:lvl4pPr>
+            <a:lvl5pPr marL="2000250" indent="-171450" algn="l" defTabSz="457200" rtl="0" eaLnBrk="1" latinLnBrk="0" hangingPunct="1">
+              <a:spcBef>
+                <a:spcPct val="20000"/>
+              </a:spcBef>
+              <a:spcAft>
+                <a:spcPts val="600"/>
+              </a:spcAft>
+              <a:buClr>
+                <a:schemeClr val="accent1">
+                  <a:lumMod val="75000"/>
+                </a:schemeClr>
+              </a:buClr>
+              <a:buSzPct val="145000"/>
+              <a:buFont typeface="Arial"/>
+              <a:buChar char="•"/>
+              <a:defRPr sz="1400" kern="1200" cap="none">
+                <a:solidFill>
+                  <a:schemeClr val="tx1"/>
+                </a:solidFill>
+                <a:effectLst/>
+                <a:latin typeface="+mn-lt"/>
+                <a:ea typeface="+mn-ea"/>
+                <a:cs typeface="+mn-cs"/>
+              </a:defRPr>
+            </a:lvl5pPr>
+            <a:lvl6pPr marL="2514600" indent="-228600" algn="l" defTabSz="457200" rtl="0" eaLnBrk="1" latinLnBrk="0" hangingPunct="1">
+              <a:spcBef>
+                <a:spcPct val="20000"/>
+              </a:spcBef>
+              <a:spcAft>
+                <a:spcPts val="600"/>
+              </a:spcAft>
+              <a:buClr>
+                <a:schemeClr val="accent1">
+                  <a:lumMod val="75000"/>
+                </a:schemeClr>
+              </a:buClr>
+              <a:buSzPct val="145000"/>
+              <a:buFont typeface="Arial"/>
+              <a:buChar char="•"/>
+              <a:defRPr sz="1400" kern="1200" cap="none">
+                <a:solidFill>
+                  <a:schemeClr val="tx1"/>
+                </a:solidFill>
+                <a:effectLst/>
+                <a:latin typeface="+mn-lt"/>
+                <a:ea typeface="+mn-ea"/>
+                <a:cs typeface="+mn-cs"/>
+              </a:defRPr>
+            </a:lvl6pPr>
+            <a:lvl7pPr marL="2971800" indent="-228600" algn="l" defTabSz="457200" rtl="0" eaLnBrk="1" latinLnBrk="0" hangingPunct="1">
+              <a:spcBef>
+                <a:spcPct val="20000"/>
+              </a:spcBef>
+              <a:spcAft>
+                <a:spcPts val="600"/>
+              </a:spcAft>
+              <a:buClr>
+                <a:schemeClr val="accent1">
+                  <a:lumMod val="75000"/>
+                </a:schemeClr>
+              </a:buClr>
+              <a:buSzPct val="145000"/>
+              <a:buFont typeface="Arial"/>
+              <a:buChar char="•"/>
+              <a:defRPr sz="1400" kern="1200" cap="none">
+                <a:solidFill>
+                  <a:schemeClr val="tx1"/>
+                </a:solidFill>
+                <a:effectLst/>
+                <a:latin typeface="+mn-lt"/>
+                <a:ea typeface="+mn-ea"/>
+                <a:cs typeface="+mn-cs"/>
+              </a:defRPr>
+            </a:lvl7pPr>
+            <a:lvl8pPr marL="3429000" indent="-228600" algn="l" defTabSz="457200" rtl="0" eaLnBrk="1" latinLnBrk="0" hangingPunct="1">
+              <a:spcBef>
+                <a:spcPct val="20000"/>
+              </a:spcBef>
+              <a:spcAft>
+                <a:spcPts val="600"/>
+              </a:spcAft>
+              <a:buClr>
+                <a:schemeClr val="accent1">
+                  <a:lumMod val="75000"/>
+                </a:schemeClr>
+              </a:buClr>
+              <a:buSzPct val="145000"/>
+              <a:buFont typeface="Arial"/>
+              <a:buChar char="•"/>
+              <a:defRPr sz="1400" kern="1200" cap="none">
+                <a:solidFill>
+                  <a:schemeClr val="tx1"/>
+                </a:solidFill>
+                <a:effectLst/>
+                <a:latin typeface="+mn-lt"/>
+                <a:ea typeface="+mn-ea"/>
+                <a:cs typeface="+mn-cs"/>
+              </a:defRPr>
+            </a:lvl8pPr>
+            <a:lvl9pPr marL="3886200" indent="-228600" algn="l" defTabSz="457200" rtl="0" eaLnBrk="1" latinLnBrk="0" hangingPunct="1">
+              <a:spcBef>
+                <a:spcPct val="20000"/>
+              </a:spcBef>
+              <a:spcAft>
+                <a:spcPts val="600"/>
+              </a:spcAft>
+              <a:buClr>
+                <a:schemeClr val="accent1">
+                  <a:lumMod val="75000"/>
+                </a:schemeClr>
+              </a:buClr>
+              <a:buSzPct val="145000"/>
+              <a:buFont typeface="Arial"/>
+              <a:buChar char="•"/>
+              <a:defRPr sz="1400" kern="1200" cap="none">
+                <a:solidFill>
+                  <a:schemeClr val="tx1"/>
+                </a:solidFill>
+                <a:effectLst/>
+                <a:latin typeface="+mn-lt"/>
+                <a:ea typeface="+mn-ea"/>
+                <a:cs typeface="+mn-cs"/>
+              </a:defRPr>
+            </a:lvl9pPr>
+          </a:lstStyle>
+          <a:p>
+            <a:pPr marL="0" indent="0">
+              <a:buNone/>
+            </a:pPr>
+            <a:r>
+              <a:rPr lang="en-GB" sz="2800" dirty="0" smtClean="0">
+                <a:solidFill>
+                  <a:schemeClr val="accent4">
+                    <a:lumMod val="75000"/>
+                  </a:schemeClr>
+                </a:solidFill>
+              </a:rPr>
+              <a:t>Example in our game.py of various functions from game template and written code</a:t>
+            </a:r>
+            <a:endParaRPr lang="en-GB" sz="2800" dirty="0">
+              <a:solidFill>
+                <a:schemeClr val="accent4">
+                  <a:lumMod val="75000"/>
+                </a:schemeClr>
+              </a:solidFill>
+            </a:endParaRPr>
+          </a:p>
+        </p:txBody>
+      </p:sp>
+      <p:sp>
+        <p:nvSpPr>
+          <p:cNvPr id="6" name="Title 1"/>
+          <p:cNvSpPr>
+            <a:spLocks noGrp="1"/>
+          </p:cNvSpPr>
+          <p:nvPr>
+            <p:ph type="title"/>
+          </p:nvPr>
+        </p:nvSpPr>
+        <p:spPr>
+          <a:xfrm>
+            <a:off x="1484310" y="-172278"/>
+            <a:ext cx="10018713" cy="1752599"/>
+          </a:xfrm>
+        </p:spPr>
+        <p:txBody>
+          <a:bodyPr>
+            <a:normAutofit/>
+          </a:bodyPr>
+          <a:lstStyle/>
+          <a:p>
+            <a:r>
+              <a:rPr lang="en-GB" sz="5400" b="1" dirty="0">
+                <a:solidFill>
+                  <a:schemeClr val="accent4">
+                    <a:lumMod val="75000"/>
+                  </a:schemeClr>
+                </a:solidFill>
+              </a:rPr>
+              <a:t>Examples of code</a:t>
+            </a:r>
+          </a:p>
+        </p:txBody>
+      </p:sp>
+    </p:spTree>
+    <p:extLst>
+      <p:ext uri="{BB962C8B-B14F-4D97-AF65-F5344CB8AC3E}">
+        <p14:creationId xmlns:p14="http://schemas.microsoft.com/office/powerpoint/2010/main" val="1462212960"/>
+      </p:ext>
+    </p:extLst>
+  </p:cSld>
+  <p:clrMapOvr>
+    <a:masterClrMapping/>
+  </p:clrMapOvr>
+</p:sld>
+</file>
+
+<file path=ppt/slides/slide6.xml><?xml version="1.0" encoding="utf-8"?>
 <p:sld xmlns:a="http://schemas.openxmlformats.org/drawingml/2006/main" xmlns:r="http://schemas.openxmlformats.org/officeDocument/2006/relationships" xmlns:p="http://schemas.openxmlformats.org/presentationml/2006/main">
   <p:cSld>
     <p:spTree>
@@ -7518,160 +8708,6 @@
 </p:sld>
 </file>
 
-<file path=ppt/slides/slide6.xml><?xml version="1.0" encoding="utf-8"?>
-<p:sld xmlns:a="http://schemas.openxmlformats.org/drawingml/2006/main" xmlns:r="http://schemas.openxmlformats.org/officeDocument/2006/relationships" xmlns:p="http://schemas.openxmlformats.org/presentationml/2006/main">
-  <p:cSld>
-    <p:spTree>
-      <p:nvGrpSpPr>
-        <p:cNvPr id="1" name=""/>
-        <p:cNvGrpSpPr/>
-        <p:nvPr/>
-      </p:nvGrpSpPr>
-      <p:grpSpPr>
-        <a:xfrm>
-          <a:off x="0" y="0"/>
-          <a:ext cx="0" cy="0"/>
-          <a:chOff x="0" y="0"/>
-          <a:chExt cx="0" cy="0"/>
-        </a:xfrm>
-      </p:grpSpPr>
-      <p:sp>
-        <p:nvSpPr>
-          <p:cNvPr id="2" name="Title 1"/>
-          <p:cNvSpPr>
-            <a:spLocks noGrp="1"/>
-          </p:cNvSpPr>
-          <p:nvPr>
-            <p:ph type="title"/>
-          </p:nvPr>
-        </p:nvSpPr>
-        <p:spPr>
-          <a:xfrm>
-            <a:off x="1484310" y="0"/>
-            <a:ext cx="10018713" cy="1752599"/>
-          </a:xfrm>
-        </p:spPr>
-        <p:txBody>
-          <a:bodyPr>
-            <a:normAutofit/>
-          </a:bodyPr>
-          <a:lstStyle/>
-          <a:p>
-            <a:r>
-              <a:rPr lang="en-GB" sz="5400" b="1" dirty="0">
-                <a:solidFill>
-                  <a:schemeClr val="accent4">
-                    <a:lumMod val="75000"/>
-                  </a:schemeClr>
-                </a:solidFill>
-              </a:rPr>
-              <a:t>Problems we have encountered</a:t>
-            </a:r>
-          </a:p>
-        </p:txBody>
-      </p:sp>
-      <p:sp>
-        <p:nvSpPr>
-          <p:cNvPr id="3" name="Content Placeholder 2"/>
-          <p:cNvSpPr>
-            <a:spLocks noGrp="1"/>
-          </p:cNvSpPr>
-          <p:nvPr>
-            <p:ph idx="1"/>
-          </p:nvPr>
-        </p:nvSpPr>
-        <p:spPr>
-          <a:xfrm>
-            <a:off x="1484310" y="1364974"/>
-            <a:ext cx="10018713" cy="4916555"/>
-          </a:xfrm>
-        </p:spPr>
-        <p:txBody>
-          <a:bodyPr>
-            <a:normAutofit lnSpcReduction="10000"/>
-          </a:bodyPr>
-          <a:lstStyle/>
-          <a:p>
-            <a:pPr marL="0" indent="0">
-              <a:buNone/>
-            </a:pPr>
-            <a:r>
-              <a:rPr lang="en-GB" sz="3200" dirty="0">
-                <a:solidFill>
-                  <a:schemeClr val="accent4">
-                    <a:lumMod val="75000"/>
-                  </a:schemeClr>
-                </a:solidFill>
-              </a:rPr>
-              <a:t>During the process of creating our game we encountered many obstacles that we had to overcome:</a:t>
-            </a:r>
-          </a:p>
-          <a:p>
-            <a:r>
-              <a:rPr lang="en-GB" sz="3200" dirty="0">
-                <a:solidFill>
-                  <a:schemeClr val="accent4">
-                    <a:lumMod val="75000"/>
-                  </a:schemeClr>
-                </a:solidFill>
-              </a:rPr>
-              <a:t>Not everyone in our team can code.</a:t>
-            </a:r>
-          </a:p>
-          <a:p>
-            <a:r>
-              <a:rPr lang="en-GB" sz="3200" dirty="0">
-                <a:solidFill>
-                  <a:schemeClr val="accent4">
-                    <a:lumMod val="75000"/>
-                  </a:schemeClr>
-                </a:solidFill>
-              </a:rPr>
-              <a:t>Those who can have different coding styles.</a:t>
-            </a:r>
-          </a:p>
-          <a:p>
-            <a:r>
-              <a:rPr lang="en-GB" sz="3200" dirty="0">
-                <a:solidFill>
-                  <a:schemeClr val="accent4">
-                    <a:lumMod val="75000"/>
-                  </a:schemeClr>
-                </a:solidFill>
-              </a:rPr>
-              <a:t>People who couldn’t code felt like they weren’t helping with the project as much.</a:t>
-            </a:r>
-          </a:p>
-          <a:p>
-            <a:r>
-              <a:rPr lang="en-GB" sz="3200" dirty="0">
-                <a:solidFill>
-                  <a:schemeClr val="accent4">
-                    <a:lumMod val="75000"/>
-                  </a:schemeClr>
-                </a:solidFill>
-              </a:rPr>
-              <a:t>Nobody knows Git so nobody used it properly, this meant that people would overwrite other peoples changes.</a:t>
-            </a:r>
-          </a:p>
-        </p:txBody>
-      </p:sp>
-    </p:spTree>
-    <p:extLst>
-      <p:ext uri="{BB962C8B-B14F-4D97-AF65-F5344CB8AC3E}">
-        <p14:creationId xmlns:p14="http://schemas.microsoft.com/office/powerpoint/2010/main" val="2597297452"/>
-      </p:ext>
-    </p:extLst>
-  </p:cSld>
-  <p:clrMapOvr>
-    <a:masterClrMapping/>
-  </p:clrMapOvr>
-  <p:transition spd="slow">
-    <p:push dir="u"/>
-  </p:transition>
-</p:sld>
-</file>
-
 <file path=ppt/slides/slide7.xml><?xml version="1.0" encoding="utf-8"?>
 <p:sld xmlns:a="http://schemas.openxmlformats.org/drawingml/2006/main" xmlns:r="http://schemas.openxmlformats.org/officeDocument/2006/relationships" xmlns:p="http://schemas.openxmlformats.org/presentationml/2006/main">
   <p:cSld>
@@ -7701,7 +8737,7 @@
         </p:nvSpPr>
         <p:spPr>
           <a:xfrm>
-            <a:off x="1484310" y="-132522"/>
+            <a:off x="1484310" y="0"/>
             <a:ext cx="10018713" cy="1752599"/>
           </a:xfrm>
         </p:spPr>
@@ -7719,7 +8755,7 @@
                   </a:schemeClr>
                 </a:solidFill>
               </a:rPr>
-              <a:t>How we worked as a team</a:t>
+              <a:t>Problems we have encountered</a:t>
             </a:r>
           </a:p>
         </p:txBody>
@@ -7736,13 +8772,13 @@
         </p:nvSpPr>
         <p:spPr>
           <a:xfrm>
-            <a:off x="1762605" y="967409"/>
-            <a:ext cx="10548664" cy="5645426"/>
+            <a:off x="1484310" y="1364974"/>
+            <a:ext cx="10018713" cy="4916555"/>
           </a:xfrm>
         </p:spPr>
         <p:txBody>
           <a:bodyPr>
-            <a:normAutofit fontScale="92500"/>
+            <a:normAutofit lnSpcReduction="10000"/>
           </a:bodyPr>
           <a:lstStyle/>
           <a:p>
@@ -7757,7 +8793,7 @@
                   </a:schemeClr>
                 </a:solidFill>
               </a:rPr>
-              <a:t>We worked very well as a team…</a:t>
+              <a:t>During the process of creating our game we encountered many obstacles that we had to overcome:</a:t>
             </a:r>
           </a:p>
           <a:p>
@@ -7769,7 +8805,7 @@
                   </a:schemeClr>
                 </a:solidFill>
               </a:rPr>
-              <a:t>We attended team meetings where we discussed what needed to be done, who was doing what and time management.</a:t>
+              <a:t>Not everyone in our team can code.</a:t>
             </a:r>
           </a:p>
           <a:p>
@@ -7781,7 +8817,7 @@
                   </a:schemeClr>
                 </a:solidFill>
               </a:rPr>
-              <a:t>We created a group chat where we discussed any problems and asked questions when unsure of anything. This is where we also sent images of what had been done so far so that we could all agree and come to a conclusion.</a:t>
+              <a:t>Those who can have different coding styles.</a:t>
             </a:r>
           </a:p>
           <a:p>
@@ -7793,7 +8829,7 @@
                   </a:schemeClr>
                 </a:solidFill>
               </a:rPr>
-              <a:t>We also created a group on GitHub where we uploaded all of the files that we had created.</a:t>
+              <a:t>People who couldn’t code felt like they weren’t helping with the project as much.</a:t>
             </a:r>
           </a:p>
           <a:p>
@@ -7805,7 +8841,7 @@
                   </a:schemeClr>
                 </a:solidFill>
               </a:rPr>
-              <a:t>We used GitHub Wiki to create 4 pages, here's one of our pages:</a:t>
+              <a:t>Nobody knows Git so nobody used it properly, this meant that people would overwrite other peoples changes.</a:t>
             </a:r>
           </a:p>
         </p:txBody>
@@ -7813,7 +8849,7 @@
     </p:spTree>
     <p:extLst>
       <p:ext uri="{BB962C8B-B14F-4D97-AF65-F5344CB8AC3E}">
-        <p14:creationId xmlns:p14="http://schemas.microsoft.com/office/powerpoint/2010/main" val="1411306679"/>
+        <p14:creationId xmlns:p14="http://schemas.microsoft.com/office/powerpoint/2010/main" val="2597297452"/>
       </p:ext>
     </p:extLst>
   </p:cSld>
@@ -7843,79 +8879,131 @@
           <a:chExt cx="0" cy="0"/>
         </a:xfrm>
       </p:grpSpPr>
-      <p:pic>
-        <p:nvPicPr>
-          <p:cNvPr id="4" name="Picture 3"/>
-          <p:cNvPicPr>
-            <a:picLocks noChangeAspect="1"/>
-          </p:cNvPicPr>
-          <p:nvPr/>
-        </p:nvPicPr>
-        <p:blipFill rotWithShape="1">
-          <a:blip r:embed="rId2"/>
-          <a:srcRect l="18913" t="9827" r="38731" b="12445"/>
-          <a:stretch/>
-        </p:blipFill>
+      <p:sp>
+        <p:nvSpPr>
+          <p:cNvPr id="2" name="Title 1"/>
+          <p:cNvSpPr>
+            <a:spLocks noGrp="1"/>
+          </p:cNvSpPr>
+          <p:nvPr>
+            <p:ph type="title"/>
+          </p:nvPr>
+        </p:nvSpPr>
         <p:spPr>
           <a:xfrm>
-            <a:off x="1550505" y="105407"/>
-            <a:ext cx="5164067" cy="5327986"/>
+            <a:off x="1484310" y="-132522"/>
+            <a:ext cx="10018713" cy="1752599"/>
           </a:xfrm>
-          <a:prstGeom prst="rect">
-            <a:avLst/>
-          </a:prstGeom>
         </p:spPr>
-      </p:pic>
-      <p:pic>
-        <p:nvPicPr>
-          <p:cNvPr id="5" name="Picture 4"/>
-          <p:cNvPicPr>
-            <a:picLocks noChangeAspect="1"/>
-          </p:cNvPicPr>
-          <p:nvPr/>
-        </p:nvPicPr>
-        <p:blipFill rotWithShape="1">
-          <a:blip r:embed="rId3"/>
-          <a:srcRect l="18696" t="11189" r="37346" b="14186"/>
-          <a:stretch/>
-        </p:blipFill>
+        <p:txBody>
+          <a:bodyPr>
+            <a:normAutofit/>
+          </a:bodyPr>
+          <a:lstStyle/>
+          <a:p>
+            <a:r>
+              <a:rPr lang="en-GB" sz="5400" b="1" dirty="0">
+                <a:solidFill>
+                  <a:schemeClr val="accent4">
+                    <a:lumMod val="75000"/>
+                  </a:schemeClr>
+                </a:solidFill>
+              </a:rPr>
+              <a:t>How we worked as a team</a:t>
+            </a:r>
+          </a:p>
+        </p:txBody>
+      </p:sp>
+      <p:sp>
+        <p:nvSpPr>
+          <p:cNvPr id="3" name="Content Placeholder 2"/>
+          <p:cNvSpPr>
+            <a:spLocks noGrp="1"/>
+          </p:cNvSpPr>
+          <p:nvPr>
+            <p:ph idx="1"/>
+          </p:nvPr>
+        </p:nvSpPr>
         <p:spPr>
           <a:xfrm>
-            <a:off x="6714572" y="131607"/>
-            <a:ext cx="5359383" cy="5301786"/>
+            <a:off x="1762605" y="967409"/>
+            <a:ext cx="10548664" cy="5645426"/>
           </a:xfrm>
-          <a:prstGeom prst="rect">
-            <a:avLst/>
-          </a:prstGeom>
         </p:spPr>
-      </p:pic>
-      <p:pic>
-        <p:nvPicPr>
-          <p:cNvPr id="6" name="Picture 5"/>
-          <p:cNvPicPr>
-            <a:picLocks noChangeAspect="1"/>
-          </p:cNvPicPr>
-          <p:nvPr/>
-        </p:nvPicPr>
-        <p:blipFill rotWithShape="1">
-          <a:blip r:embed="rId4"/>
-          <a:srcRect l="18231" t="58876" r="41087" b="27138"/>
-          <a:stretch/>
-        </p:blipFill>
-        <p:spPr>
-          <a:xfrm>
-            <a:off x="4234580" y="5433393"/>
-            <a:ext cx="4959984" cy="958642"/>
-          </a:xfrm>
-          <a:prstGeom prst="rect">
-            <a:avLst/>
-          </a:prstGeom>
-        </p:spPr>
-      </p:pic>
+        <p:txBody>
+          <a:bodyPr>
+            <a:normAutofit fontScale="92500"/>
+          </a:bodyPr>
+          <a:lstStyle/>
+          <a:p>
+            <a:pPr marL="0" indent="0">
+              <a:buNone/>
+            </a:pPr>
+            <a:r>
+              <a:rPr lang="en-GB" sz="3200" dirty="0">
+                <a:solidFill>
+                  <a:schemeClr val="accent4">
+                    <a:lumMod val="75000"/>
+                  </a:schemeClr>
+                </a:solidFill>
+              </a:rPr>
+              <a:t>We worked very well as a team…</a:t>
+            </a:r>
+          </a:p>
+          <a:p>
+            <a:r>
+              <a:rPr lang="en-GB" sz="3200" dirty="0">
+                <a:solidFill>
+                  <a:schemeClr val="accent4">
+                    <a:lumMod val="75000"/>
+                  </a:schemeClr>
+                </a:solidFill>
+              </a:rPr>
+              <a:t>We attended team meetings where we discussed what needed to be done, who was doing what and time management.</a:t>
+            </a:r>
+          </a:p>
+          <a:p>
+            <a:r>
+              <a:rPr lang="en-GB" sz="3200" dirty="0">
+                <a:solidFill>
+                  <a:schemeClr val="accent4">
+                    <a:lumMod val="75000"/>
+                  </a:schemeClr>
+                </a:solidFill>
+              </a:rPr>
+              <a:t>We created a group chat where we discussed any problems and asked questions when unsure of anything. This is where we also sent images of what had been done so far so that we could all agree and come to a conclusion.</a:t>
+            </a:r>
+          </a:p>
+          <a:p>
+            <a:r>
+              <a:rPr lang="en-GB" sz="3200" dirty="0">
+                <a:solidFill>
+                  <a:schemeClr val="accent4">
+                    <a:lumMod val="75000"/>
+                  </a:schemeClr>
+                </a:solidFill>
+              </a:rPr>
+              <a:t>We also created a group on GitHub where we uploaded all of the files that we had created.</a:t>
+            </a:r>
+          </a:p>
+          <a:p>
+            <a:r>
+              <a:rPr lang="en-GB" sz="3200" dirty="0">
+                <a:solidFill>
+                  <a:schemeClr val="accent4">
+                    <a:lumMod val="75000"/>
+                  </a:schemeClr>
+                </a:solidFill>
+              </a:rPr>
+              <a:t>We used GitHub Wiki to create 4 pages, here's one of our pages:</a:t>
+            </a:r>
+          </a:p>
+        </p:txBody>
+      </p:sp>
     </p:spTree>
     <p:extLst>
       <p:ext uri="{BB962C8B-B14F-4D97-AF65-F5344CB8AC3E}">
-        <p14:creationId xmlns:p14="http://schemas.microsoft.com/office/powerpoint/2010/main" val="2427480931"/>
+        <p14:creationId xmlns:p14="http://schemas.microsoft.com/office/powerpoint/2010/main" val="1411306679"/>
       </p:ext>
     </p:extLst>
   </p:cSld>
@@ -7947,37 +9035,77 @@
       </p:grpSpPr>
       <p:pic>
         <p:nvPicPr>
-          <p:cNvPr id="6" name="Content Placeholder 5" descr="Screen Clipping"/>
+          <p:cNvPr id="4" name="Picture 3"/>
           <p:cNvPicPr>
-            <a:picLocks noGrp="1" noChangeAspect="1"/>
+            <a:picLocks noChangeAspect="1"/>
           </p:cNvPicPr>
-          <p:nvPr>
-            <p:ph idx="1"/>
-          </p:nvPr>
+          <p:nvPr/>
         </p:nvPicPr>
-        <p:blipFill>
-          <a:blip r:embed="rId2">
-            <a:extLst>
-              <a:ext uri="{28A0092B-C50C-407E-A947-70E740481C1C}">
-                <a14:useLocalDpi xmlns:a14="http://schemas.microsoft.com/office/drawing/2010/main" val="0"/>
-              </a:ext>
-            </a:extLst>
-          </a:blip>
-          <a:stretch>
-            <a:fillRect/>
-          </a:stretch>
+        <p:blipFill rotWithShape="1">
+          <a:blip r:embed="rId3"/>
+          <a:srcRect l="18913" t="9827" r="38731" b="12445"/>
+          <a:stretch/>
         </p:blipFill>
         <p:spPr>
           <a:xfrm>
-            <a:off x="2504208" y="344557"/>
-            <a:ext cx="8819525" cy="6195391"/>
+            <a:off x="1550505" y="105407"/>
+            <a:ext cx="5164067" cy="5327986"/>
           </a:xfrm>
+          <a:prstGeom prst="rect">
+            <a:avLst/>
+          </a:prstGeom>
+        </p:spPr>
+      </p:pic>
+      <p:pic>
+        <p:nvPicPr>
+          <p:cNvPr id="5" name="Picture 4"/>
+          <p:cNvPicPr>
+            <a:picLocks noChangeAspect="1"/>
+          </p:cNvPicPr>
+          <p:nvPr/>
+        </p:nvPicPr>
+        <p:blipFill rotWithShape="1">
+          <a:blip r:embed="rId4"/>
+          <a:srcRect l="18696" t="11189" r="37346" b="14186"/>
+          <a:stretch/>
+        </p:blipFill>
+        <p:spPr>
+          <a:xfrm>
+            <a:off x="6714572" y="131607"/>
+            <a:ext cx="5359383" cy="5301786"/>
+          </a:xfrm>
+          <a:prstGeom prst="rect">
+            <a:avLst/>
+          </a:prstGeom>
+        </p:spPr>
+      </p:pic>
+      <p:pic>
+        <p:nvPicPr>
+          <p:cNvPr id="6" name="Picture 5"/>
+          <p:cNvPicPr>
+            <a:picLocks noChangeAspect="1"/>
+          </p:cNvPicPr>
+          <p:nvPr/>
+        </p:nvPicPr>
+        <p:blipFill rotWithShape="1">
+          <a:blip r:embed="rId5"/>
+          <a:srcRect l="18231" t="58876" r="41087" b="27138"/>
+          <a:stretch/>
+        </p:blipFill>
+        <p:spPr>
+          <a:xfrm>
+            <a:off x="4234580" y="5433393"/>
+            <a:ext cx="4959984" cy="958642"/>
+          </a:xfrm>
+          <a:prstGeom prst="rect">
+            <a:avLst/>
+          </a:prstGeom>
         </p:spPr>
       </p:pic>
     </p:spTree>
     <p:extLst>
       <p:ext uri="{BB962C8B-B14F-4D97-AF65-F5344CB8AC3E}">
-        <p14:creationId xmlns:p14="http://schemas.microsoft.com/office/powerpoint/2010/main" val="3911252559"/>
+        <p14:creationId xmlns:p14="http://schemas.microsoft.com/office/powerpoint/2010/main" val="2427480931"/>
       </p:ext>
     </p:extLst>
   </p:cSld>
@@ -8244,4 +9372,265 @@
     </a:ext>
   </a:extLst>
 </a:theme>
+</file>
+
+<file path=ppt/theme/theme2.xml><?xml version="1.0" encoding="utf-8"?>
+<a:theme xmlns:a="http://schemas.openxmlformats.org/drawingml/2006/main" name="Office Theme">
+  <a:themeElements>
+    <a:clrScheme name="Office">
+      <a:dk1>
+        <a:sysClr val="windowText" lastClr="000000"/>
+      </a:dk1>
+      <a:lt1>
+        <a:sysClr val="window" lastClr="FFFFFF"/>
+      </a:lt1>
+      <a:dk2>
+        <a:srgbClr val="44546A"/>
+      </a:dk2>
+      <a:lt2>
+        <a:srgbClr val="E7E6E6"/>
+      </a:lt2>
+      <a:accent1>
+        <a:srgbClr val="5B9BD5"/>
+      </a:accent1>
+      <a:accent2>
+        <a:srgbClr val="ED7D31"/>
+      </a:accent2>
+      <a:accent3>
+        <a:srgbClr val="A5A5A5"/>
+      </a:accent3>
+      <a:accent4>
+        <a:srgbClr val="FFC000"/>
+      </a:accent4>
+      <a:accent5>
+        <a:srgbClr val="4472C4"/>
+      </a:accent5>
+      <a:accent6>
+        <a:srgbClr val="70AD47"/>
+      </a:accent6>
+      <a:hlink>
+        <a:srgbClr val="0563C1"/>
+      </a:hlink>
+      <a:folHlink>
+        <a:srgbClr val="954F72"/>
+      </a:folHlink>
+    </a:clrScheme>
+    <a:fontScheme name="Office">
+      <a:majorFont>
+        <a:latin typeface="Calibri Light" panose="020F0302020204030204"/>
+        <a:ea typeface=""/>
+        <a:cs typeface=""/>
+        <a:font script="Jpan" typeface="ＭＳ Ｐゴシック"/>
+        <a:font script="Hang" typeface="맑은 고딕"/>
+        <a:font script="Hans" typeface="宋体"/>
+        <a:font script="Hant" typeface="新細明體"/>
+        <a:font script="Arab" typeface="Times New Roman"/>
+        <a:font script="Hebr" typeface="Times New Roman"/>
+        <a:font script="Thai" typeface="Angsana New"/>
+        <a:font script="Ethi" typeface="Nyala"/>
+        <a:font script="Beng" typeface="Vrinda"/>
+        <a:font script="Gujr" typeface="Shruti"/>
+        <a:font script="Khmr" typeface="MoolBoran"/>
+        <a:font script="Knda" typeface="Tunga"/>
+        <a:font script="Guru" typeface="Raavi"/>
+        <a:font script="Cans" typeface="Euphemia"/>
+        <a:font script="Cher" typeface="Plantagenet Cherokee"/>
+        <a:font script="Yiii" typeface="Microsoft Yi Baiti"/>
+        <a:font script="Tibt" typeface="Microsoft Himalaya"/>
+        <a:font script="Thaa" typeface="MV Boli"/>
+        <a:font script="Deva" typeface="Mangal"/>
+        <a:font script="Telu" typeface="Gautami"/>
+        <a:font script="Taml" typeface="Latha"/>
+        <a:font script="Syrc" typeface="Estrangelo Edessa"/>
+        <a:font script="Orya" typeface="Kalinga"/>
+        <a:font script="Mlym" typeface="Kartika"/>
+        <a:font script="Laoo" typeface="DokChampa"/>
+        <a:font script="Sinh" typeface="Iskoola Pota"/>
+        <a:font script="Mong" typeface="Mongolian Baiti"/>
+        <a:font script="Viet" typeface="Times New Roman"/>
+        <a:font script="Uigh" typeface="Microsoft Uighur"/>
+        <a:font script="Geor" typeface="Sylfaen"/>
+      </a:majorFont>
+      <a:minorFont>
+        <a:latin typeface="Calibri" panose="020F0502020204030204"/>
+        <a:ea typeface=""/>
+        <a:cs typeface=""/>
+        <a:font script="Jpan" typeface="ＭＳ Ｐゴシック"/>
+        <a:font script="Hang" typeface="맑은 고딕"/>
+        <a:font script="Hans" typeface="宋体"/>
+        <a:font script="Hant" typeface="新細明體"/>
+        <a:font script="Arab" typeface="Arial"/>
+        <a:font script="Hebr" typeface="Arial"/>
+        <a:font script="Thai" typeface="Cordia New"/>
+        <a:font script="Ethi" typeface="Nyala"/>
+        <a:font script="Beng" typeface="Vrinda"/>
+        <a:font script="Gujr" typeface="Shruti"/>
+        <a:font script="Khmr" typeface="DaunPenh"/>
+        <a:font script="Knda" typeface="Tunga"/>
+        <a:font script="Guru" typeface="Raavi"/>
+        <a:font script="Cans" typeface="Euphemia"/>
+        <a:font script="Cher" typeface="Plantagenet Cherokee"/>
+        <a:font script="Yiii" typeface="Microsoft Yi Baiti"/>
+        <a:font script="Tibt" typeface="Microsoft Himalaya"/>
+        <a:font script="Thaa" typeface="MV Boli"/>
+        <a:font script="Deva" typeface="Mangal"/>
+        <a:font script="Telu" typeface="Gautami"/>
+        <a:font script="Taml" typeface="Latha"/>
+        <a:font script="Syrc" typeface="Estrangelo Edessa"/>
+        <a:font script="Orya" typeface="Kalinga"/>
+        <a:font script="Mlym" typeface="Kartika"/>
+        <a:font script="Laoo" typeface="DokChampa"/>
+        <a:font script="Sinh" typeface="Iskoola Pota"/>
+        <a:font script="Mong" typeface="Mongolian Baiti"/>
+        <a:font script="Viet" typeface="Arial"/>
+        <a:font script="Uigh" typeface="Microsoft Uighur"/>
+        <a:font script="Geor" typeface="Sylfaen"/>
+      </a:minorFont>
+    </a:fontScheme>
+    <a:fmtScheme name="Office">
+      <a:fillStyleLst>
+        <a:solidFill>
+          <a:schemeClr val="phClr"/>
+        </a:solidFill>
+        <a:gradFill rotWithShape="1">
+          <a:gsLst>
+            <a:gs pos="0">
+              <a:schemeClr val="phClr">
+                <a:lumMod val="110000"/>
+                <a:satMod val="105000"/>
+                <a:tint val="67000"/>
+              </a:schemeClr>
+            </a:gs>
+            <a:gs pos="50000">
+              <a:schemeClr val="phClr">
+                <a:lumMod val="105000"/>
+                <a:satMod val="103000"/>
+                <a:tint val="73000"/>
+              </a:schemeClr>
+            </a:gs>
+            <a:gs pos="100000">
+              <a:schemeClr val="phClr">
+                <a:lumMod val="105000"/>
+                <a:satMod val="109000"/>
+                <a:tint val="81000"/>
+              </a:schemeClr>
+            </a:gs>
+          </a:gsLst>
+          <a:lin ang="5400000" scaled="0"/>
+        </a:gradFill>
+        <a:gradFill rotWithShape="1">
+          <a:gsLst>
+            <a:gs pos="0">
+              <a:schemeClr val="phClr">
+                <a:satMod val="103000"/>
+                <a:lumMod val="102000"/>
+                <a:tint val="94000"/>
+              </a:schemeClr>
+            </a:gs>
+            <a:gs pos="50000">
+              <a:schemeClr val="phClr">
+                <a:satMod val="110000"/>
+                <a:lumMod val="100000"/>
+                <a:shade val="100000"/>
+              </a:schemeClr>
+            </a:gs>
+            <a:gs pos="100000">
+              <a:schemeClr val="phClr">
+                <a:lumMod val="99000"/>
+                <a:satMod val="120000"/>
+                <a:shade val="78000"/>
+              </a:schemeClr>
+            </a:gs>
+          </a:gsLst>
+          <a:lin ang="5400000" scaled="0"/>
+        </a:gradFill>
+      </a:fillStyleLst>
+      <a:lnStyleLst>
+        <a:ln w="6350" cap="flat" cmpd="sng" algn="ctr">
+          <a:solidFill>
+            <a:schemeClr val="phClr"/>
+          </a:solidFill>
+          <a:prstDash val="solid"/>
+          <a:miter lim="800000"/>
+        </a:ln>
+        <a:ln w="12700" cap="flat" cmpd="sng" algn="ctr">
+          <a:solidFill>
+            <a:schemeClr val="phClr"/>
+          </a:solidFill>
+          <a:prstDash val="solid"/>
+          <a:miter lim="800000"/>
+        </a:ln>
+        <a:ln w="19050" cap="flat" cmpd="sng" algn="ctr">
+          <a:solidFill>
+            <a:schemeClr val="phClr"/>
+          </a:solidFill>
+          <a:prstDash val="solid"/>
+          <a:miter lim="800000"/>
+        </a:ln>
+      </a:lnStyleLst>
+      <a:effectStyleLst>
+        <a:effectStyle>
+          <a:effectLst/>
+        </a:effectStyle>
+        <a:effectStyle>
+          <a:effectLst/>
+        </a:effectStyle>
+        <a:effectStyle>
+          <a:effectLst>
+            <a:outerShdw blurRad="57150" dist="19050" dir="5400000" algn="ctr" rotWithShape="0">
+              <a:srgbClr val="000000">
+                <a:alpha val="63000"/>
+              </a:srgbClr>
+            </a:outerShdw>
+          </a:effectLst>
+        </a:effectStyle>
+      </a:effectStyleLst>
+      <a:bgFillStyleLst>
+        <a:solidFill>
+          <a:schemeClr val="phClr"/>
+        </a:solidFill>
+        <a:solidFill>
+          <a:schemeClr val="phClr">
+            <a:tint val="95000"/>
+            <a:satMod val="170000"/>
+          </a:schemeClr>
+        </a:solidFill>
+        <a:gradFill rotWithShape="1">
+          <a:gsLst>
+            <a:gs pos="0">
+              <a:schemeClr val="phClr">
+                <a:tint val="93000"/>
+                <a:satMod val="150000"/>
+                <a:shade val="98000"/>
+                <a:lumMod val="102000"/>
+              </a:schemeClr>
+            </a:gs>
+            <a:gs pos="50000">
+              <a:schemeClr val="phClr">
+                <a:tint val="98000"/>
+                <a:satMod val="130000"/>
+                <a:shade val="90000"/>
+                <a:lumMod val="103000"/>
+              </a:schemeClr>
+            </a:gs>
+            <a:gs pos="100000">
+              <a:schemeClr val="phClr">
+                <a:shade val="63000"/>
+                <a:satMod val="120000"/>
+              </a:schemeClr>
+            </a:gs>
+          </a:gsLst>
+          <a:lin ang="5400000" scaled="0"/>
+        </a:gradFill>
+      </a:bgFillStyleLst>
+    </a:fmtScheme>
+  </a:themeElements>
+  <a:objectDefaults/>
+  <a:extraClrSchemeLst/>
+  <a:extLst>
+    <a:ext uri="{05A4C25C-085E-4340-85A3-A5531E510DB2}">
+      <thm15:themeFamily xmlns:thm15="http://schemas.microsoft.com/office/thememl/2012/main" name="Office Theme" id="{62F939B6-93AF-4DB8-9C6B-D6C7DFDC589F}" vid="{4A3C46E8-61CC-4603-A589-7422A47A8E4A}"/>
+    </a:ext>
+  </a:extLst>
+</a:theme>
 </file>
--- a/A night out at the SU (2).pptx
+++ b/A night out at the SU (2).pptx
@@ -524,36 +524,10 @@
           <a:lstStyle/>
           <a:p>
             <a:r>
-              <a:rPr lang="en-GB" dirty="0" smtClean="0"/>
-              <a:t>Theme – whether </a:t>
-            </a:r>
-            <a:r>
-              <a:rPr lang="en-GB" dirty="0" err="1" smtClean="0"/>
-              <a:t>uni</a:t>
-            </a:r>
-            <a:r>
-              <a:rPr lang="en-GB" dirty="0" smtClean="0"/>
-              <a:t> students (play</a:t>
-            </a:r>
-            <a:r>
               <a:rPr lang="en-GB" baseline="0" dirty="0" smtClean="0"/>
-              <a:t> to relive last Saturday night, without fear of hangover), or adults to reminisce about their past experiences, or to see if anything has changed</a:t>
-            </a:r>
-          </a:p>
-          <a:p>
-            <a:r>
-              <a:rPr lang="en-GB" baseline="0" dirty="0" smtClean="0"/>
-              <a:t>Elements – Ring of fire like a mini-game, </a:t>
-            </a:r>
-          </a:p>
-          <a:p>
-            <a:r>
-              <a:rPr lang="en-GB" baseline="0" dirty="0" smtClean="0"/>
-              <a:t>Characteristics – Having their name, gender, smoking status chosen at the start. Random events also make every game unique</a:t>
-            </a:r>
-          </a:p>
-          <a:p>
-            <a:endParaRPr lang="en-GB" dirty="0"/>
+              <a:t> </a:t>
+            </a:r>
+            <a:endParaRPr lang="en-GB" dirty="0" smtClean="0"/>
           </a:p>
         </p:txBody>
       </p:sp>
@@ -574,7 +548,7 @@
           <a:p>
             <a:fld id="{8EC225F7-6187-4533-A520-06A7E80CF3BA}" type="slidenum">
               <a:rPr lang="en-GB" smtClean="0"/>
-              <a:t>3</a:t>
+              <a:t>2</a:t>
             </a:fld>
             <a:endParaRPr lang="en-GB"/>
           </a:p>
@@ -583,7 +557,7 @@
     </p:spTree>
     <p:extLst>
       <p:ext uri="{BB962C8B-B14F-4D97-AF65-F5344CB8AC3E}">
-        <p14:creationId xmlns:p14="http://schemas.microsoft.com/office/powerpoint/2010/main" val="1675547589"/>
+        <p14:creationId xmlns:p14="http://schemas.microsoft.com/office/powerpoint/2010/main" val="814055925"/>
       </p:ext>
     </p:extLst>
   </p:cSld>
@@ -637,6 +611,204 @@
           <a:bodyPr/>
           <a:lstStyle/>
           <a:p>
+            <a:r>
+              <a:rPr lang="en-GB" dirty="0" smtClean="0"/>
+              <a:t>Theme – whether </a:t>
+            </a:r>
+            <a:r>
+              <a:rPr lang="en-GB" dirty="0" err="1" smtClean="0"/>
+              <a:t>uni</a:t>
+            </a:r>
+            <a:r>
+              <a:rPr lang="en-GB" dirty="0" smtClean="0"/>
+              <a:t> students (play</a:t>
+            </a:r>
+            <a:r>
+              <a:rPr lang="en-GB" baseline="0" dirty="0" smtClean="0"/>
+              <a:t> to relive last Saturday night, without fear of hangover), or adults to reminisce about their past experiences, or to see if anything has changed</a:t>
+            </a:r>
+          </a:p>
+          <a:p>
+            <a:r>
+              <a:rPr lang="en-GB" baseline="0" dirty="0" smtClean="0"/>
+              <a:t>Elements – Ring of fire like a mini-game, </a:t>
+            </a:r>
+          </a:p>
+          <a:p>
+            <a:r>
+              <a:rPr lang="en-GB" baseline="0" dirty="0" smtClean="0"/>
+              <a:t>Characteristics – Having their name, gender, smoking status chosen at the start. Random events also make every game unique</a:t>
+            </a:r>
+          </a:p>
+          <a:p>
+            <a:endParaRPr lang="en-GB" dirty="0"/>
+          </a:p>
+        </p:txBody>
+      </p:sp>
+      <p:sp>
+        <p:nvSpPr>
+          <p:cNvPr id="4" name="Slide Number Placeholder 3"/>
+          <p:cNvSpPr>
+            <a:spLocks noGrp="1"/>
+          </p:cNvSpPr>
+          <p:nvPr>
+            <p:ph type="sldNum" sz="quarter" idx="10"/>
+          </p:nvPr>
+        </p:nvSpPr>
+        <p:spPr/>
+        <p:txBody>
+          <a:bodyPr/>
+          <a:lstStyle/>
+          <a:p>
+            <a:fld id="{8EC225F7-6187-4533-A520-06A7E80CF3BA}" type="slidenum">
+              <a:rPr lang="en-GB" smtClean="0"/>
+              <a:t>3</a:t>
+            </a:fld>
+            <a:endParaRPr lang="en-GB"/>
+          </a:p>
+        </p:txBody>
+      </p:sp>
+    </p:spTree>
+    <p:extLst>
+      <p:ext uri="{BB962C8B-B14F-4D97-AF65-F5344CB8AC3E}">
+        <p14:creationId xmlns:p14="http://schemas.microsoft.com/office/powerpoint/2010/main" val="1675547589"/>
+      </p:ext>
+    </p:extLst>
+  </p:cSld>
+  <p:clrMapOvr>
+    <a:masterClrMapping/>
+  </p:clrMapOvr>
+</p:notes>
+</file>
+
+<file path=ppt/notesSlides/notesSlide3.xml><?xml version="1.0" encoding="utf-8"?>
+<p:notes xmlns:a="http://schemas.openxmlformats.org/drawingml/2006/main" xmlns:r="http://schemas.openxmlformats.org/officeDocument/2006/relationships" xmlns:p="http://schemas.openxmlformats.org/presentationml/2006/main">
+  <p:cSld>
+    <p:spTree>
+      <p:nvGrpSpPr>
+        <p:cNvPr id="1" name=""/>
+        <p:cNvGrpSpPr/>
+        <p:nvPr/>
+      </p:nvGrpSpPr>
+      <p:grpSpPr>
+        <a:xfrm>
+          <a:off x="0" y="0"/>
+          <a:ext cx="0" cy="0"/>
+          <a:chOff x="0" y="0"/>
+          <a:chExt cx="0" cy="0"/>
+        </a:xfrm>
+      </p:grpSpPr>
+      <p:sp>
+        <p:nvSpPr>
+          <p:cNvPr id="2" name="Slide Image Placeholder 1"/>
+          <p:cNvSpPr>
+            <a:spLocks noGrp="1" noRot="1" noChangeAspect="1"/>
+          </p:cNvSpPr>
+          <p:nvPr>
+            <p:ph type="sldImg"/>
+          </p:nvPr>
+        </p:nvSpPr>
+        <p:spPr/>
+      </p:sp>
+      <p:sp>
+        <p:nvSpPr>
+          <p:cNvPr id="3" name="Notes Placeholder 2"/>
+          <p:cNvSpPr>
+            <a:spLocks noGrp="1"/>
+          </p:cNvSpPr>
+          <p:nvPr>
+            <p:ph type="body" idx="1"/>
+          </p:nvPr>
+        </p:nvSpPr>
+        <p:spPr/>
+        <p:txBody>
+          <a:bodyPr/>
+          <a:lstStyle/>
+          <a:p>
+            <a:endParaRPr lang="en-GB" dirty="0"/>
+          </a:p>
+        </p:txBody>
+      </p:sp>
+      <p:sp>
+        <p:nvSpPr>
+          <p:cNvPr id="4" name="Slide Number Placeholder 3"/>
+          <p:cNvSpPr>
+            <a:spLocks noGrp="1"/>
+          </p:cNvSpPr>
+          <p:nvPr>
+            <p:ph type="sldNum" sz="quarter" idx="10"/>
+          </p:nvPr>
+        </p:nvSpPr>
+        <p:spPr/>
+        <p:txBody>
+          <a:bodyPr/>
+          <a:lstStyle/>
+          <a:p>
+            <a:fld id="{8EC225F7-6187-4533-A520-06A7E80CF3BA}" type="slidenum">
+              <a:rPr lang="en-GB" smtClean="0"/>
+              <a:t>4</a:t>
+            </a:fld>
+            <a:endParaRPr lang="en-GB"/>
+          </a:p>
+        </p:txBody>
+      </p:sp>
+    </p:spTree>
+    <p:extLst>
+      <p:ext uri="{BB962C8B-B14F-4D97-AF65-F5344CB8AC3E}">
+        <p14:creationId xmlns:p14="http://schemas.microsoft.com/office/powerpoint/2010/main" val="3842315212"/>
+      </p:ext>
+    </p:extLst>
+  </p:cSld>
+  <p:clrMapOvr>
+    <a:masterClrMapping/>
+  </p:clrMapOvr>
+</p:notes>
+</file>
+
+<file path=ppt/notesSlides/notesSlide4.xml><?xml version="1.0" encoding="utf-8"?>
+<p:notes xmlns:a="http://schemas.openxmlformats.org/drawingml/2006/main" xmlns:r="http://schemas.openxmlformats.org/officeDocument/2006/relationships" xmlns:p="http://schemas.openxmlformats.org/presentationml/2006/main">
+  <p:cSld>
+    <p:spTree>
+      <p:nvGrpSpPr>
+        <p:cNvPr id="1" name=""/>
+        <p:cNvGrpSpPr/>
+        <p:nvPr/>
+      </p:nvGrpSpPr>
+      <p:grpSpPr>
+        <a:xfrm>
+          <a:off x="0" y="0"/>
+          <a:ext cx="0" cy="0"/>
+          <a:chOff x="0" y="0"/>
+          <a:chExt cx="0" cy="0"/>
+        </a:xfrm>
+      </p:grpSpPr>
+      <p:sp>
+        <p:nvSpPr>
+          <p:cNvPr id="2" name="Slide Image Placeholder 1"/>
+          <p:cNvSpPr>
+            <a:spLocks noGrp="1" noRot="1" noChangeAspect="1"/>
+          </p:cNvSpPr>
+          <p:nvPr>
+            <p:ph type="sldImg"/>
+          </p:nvPr>
+        </p:nvSpPr>
+        <p:spPr/>
+      </p:sp>
+      <p:sp>
+        <p:nvSpPr>
+          <p:cNvPr id="3" name="Notes Placeholder 2"/>
+          <p:cNvSpPr>
+            <a:spLocks noGrp="1"/>
+          </p:cNvSpPr>
+          <p:nvPr>
+            <p:ph type="body" idx="1"/>
+          </p:nvPr>
+        </p:nvSpPr>
+        <p:spPr/>
+        <p:txBody>
+          <a:bodyPr/>
+          <a:lstStyle/>
+          <a:p>
             <a:endParaRPr lang="en-GB" dirty="0"/>
           </a:p>
         </p:txBody>
@@ -668,6 +840,106 @@
     <p:extLst>
       <p:ext uri="{BB962C8B-B14F-4D97-AF65-F5344CB8AC3E}">
         <p14:creationId xmlns:p14="http://schemas.microsoft.com/office/powerpoint/2010/main" val="807014115"/>
+      </p:ext>
+    </p:extLst>
+  </p:cSld>
+  <p:clrMapOvr>
+    <a:masterClrMapping/>
+  </p:clrMapOvr>
+</p:notes>
+</file>
+
+<file path=ppt/notesSlides/notesSlide5.xml><?xml version="1.0" encoding="utf-8"?>
+<p:notes xmlns:a="http://schemas.openxmlformats.org/drawingml/2006/main" xmlns:r="http://schemas.openxmlformats.org/officeDocument/2006/relationships" xmlns:p="http://schemas.openxmlformats.org/presentationml/2006/main">
+  <p:cSld>
+    <p:spTree>
+      <p:nvGrpSpPr>
+        <p:cNvPr id="1" name=""/>
+        <p:cNvGrpSpPr/>
+        <p:nvPr/>
+      </p:nvGrpSpPr>
+      <p:grpSpPr>
+        <a:xfrm>
+          <a:off x="0" y="0"/>
+          <a:ext cx="0" cy="0"/>
+          <a:chOff x="0" y="0"/>
+          <a:chExt cx="0" cy="0"/>
+        </a:xfrm>
+      </p:grpSpPr>
+      <p:sp>
+        <p:nvSpPr>
+          <p:cNvPr id="2" name="Slide Image Placeholder 1"/>
+          <p:cNvSpPr>
+            <a:spLocks noGrp="1" noRot="1" noChangeAspect="1"/>
+          </p:cNvSpPr>
+          <p:nvPr>
+            <p:ph type="sldImg"/>
+          </p:nvPr>
+        </p:nvSpPr>
+        <p:spPr/>
+      </p:sp>
+      <p:sp>
+        <p:nvSpPr>
+          <p:cNvPr id="3" name="Notes Placeholder 2"/>
+          <p:cNvSpPr>
+            <a:spLocks noGrp="1"/>
+          </p:cNvSpPr>
+          <p:nvPr>
+            <p:ph type="body" idx="1"/>
+          </p:nvPr>
+        </p:nvSpPr>
+        <p:spPr/>
+        <p:txBody>
+          <a:bodyPr/>
+          <a:lstStyle/>
+          <a:p>
+            <a:r>
+              <a:rPr lang="en-GB" dirty="0" smtClean="0"/>
+              <a:t>Bug</a:t>
+            </a:r>
+            <a:r>
+              <a:rPr lang="en-GB" baseline="0" dirty="0" smtClean="0"/>
+              <a:t> testing, everybody tested the game and submitted bugs on </a:t>
+            </a:r>
+            <a:r>
+              <a:rPr lang="en-GB" baseline="0" dirty="0" err="1" smtClean="0"/>
+              <a:t>github</a:t>
+            </a:r>
+            <a:r>
+              <a:rPr lang="en-GB" baseline="0" dirty="0" smtClean="0"/>
+              <a:t>, we then attempted to fix said bugs </a:t>
+            </a:r>
+            <a:endParaRPr lang="en-GB" dirty="0"/>
+          </a:p>
+        </p:txBody>
+      </p:sp>
+      <p:sp>
+        <p:nvSpPr>
+          <p:cNvPr id="4" name="Slide Number Placeholder 3"/>
+          <p:cNvSpPr>
+            <a:spLocks noGrp="1"/>
+          </p:cNvSpPr>
+          <p:nvPr>
+            <p:ph type="sldNum" sz="quarter" idx="10"/>
+          </p:nvPr>
+        </p:nvSpPr>
+        <p:spPr/>
+        <p:txBody>
+          <a:bodyPr/>
+          <a:lstStyle/>
+          <a:p>
+            <a:fld id="{8EC225F7-6187-4533-A520-06A7E80CF3BA}" type="slidenum">
+              <a:rPr lang="en-GB" smtClean="0"/>
+              <a:t>10</a:t>
+            </a:fld>
+            <a:endParaRPr lang="en-GB"/>
+          </a:p>
+        </p:txBody>
+      </p:sp>
+    </p:spTree>
+    <p:extLst>
+      <p:ext uri="{BB962C8B-B14F-4D97-AF65-F5344CB8AC3E}">
+        <p14:creationId xmlns:p14="http://schemas.microsoft.com/office/powerpoint/2010/main" val="475161395"/>
       </p:ext>
     </p:extLst>
   </p:cSld>
@@ -6871,6 +7143,13 @@
   <p:clrMapOvr>
     <a:masterClrMapping/>
   </p:clrMapOvr>
+  <p:timing>
+    <p:tnLst>
+      <p:par>
+        <p:cTn id="1" dur="indefinite" restart="never" nodeType="tmRoot"/>
+      </p:par>
+    </p:tnLst>
+  </p:timing>
 </p:sld>
 </file>
 
@@ -6902,7 +7181,7 @@
           </p:nvPr>
         </p:nvPicPr>
         <p:blipFill>
-          <a:blip r:embed="rId2">
+          <a:blip r:embed="rId3">
             <a:extLst>
               <a:ext uri="{28A0092B-C50C-407E-A947-70E740481C1C}">
                 <a14:useLocalDpi xmlns:a14="http://schemas.microsoft.com/office/drawing/2010/main" val="0"/>
@@ -6933,6 +7212,13 @@
   <p:transition spd="slow">
     <p:push dir="u"/>
   </p:transition>
+  <p:timing>
+    <p:tnLst>
+      <p:par>
+        <p:cTn id="1" dur="indefinite" restart="never" nodeType="tmRoot"/>
+      </p:par>
+    </p:tnLst>
+  </p:timing>
 </p:sld>
 </file>
 
@@ -7163,6 +7449,13 @@
   <p:transition spd="slow">
     <p:push dir="u"/>
   </p:transition>
+  <p:timing>
+    <p:tnLst>
+      <p:par>
+        <p:cTn id="1" dur="indefinite" restart="never" nodeType="tmRoot"/>
+      </p:par>
+    </p:tnLst>
+  </p:timing>
 </p:sld>
 </file>
 
@@ -7305,6 +7598,13 @@
   <p:transition spd="slow">
     <p:push dir="u"/>
   </p:transition>
+  <p:timing>
+    <p:tnLst>
+      <p:par>
+        <p:cTn id="1" dur="indefinite" restart="never" nodeType="tmRoot"/>
+      </p:par>
+    </p:tnLst>
+  </p:timing>
 </p:sld>
 </file>
 
@@ -7538,15 +7838,22 @@
           <a:lstStyle/>
           <a:p>
             <a:r>
-              <a:rPr lang="en-GB" sz="5400" b="1" dirty="0">
+              <a:rPr lang="en-GB" sz="5400" b="1" dirty="0" smtClean="0">
                 <a:solidFill>
                   <a:schemeClr val="accent4">
                     <a:lumMod val="75000"/>
                   </a:schemeClr>
                 </a:solidFill>
               </a:rPr>
-              <a:t>What are you waiting for?</a:t>
-            </a:r>
+              <a:t>And now what you’ve all been waiting for …</a:t>
+            </a:r>
+            <a:endParaRPr lang="en-GB" sz="5400" b="1" dirty="0">
+              <a:solidFill>
+                <a:schemeClr val="accent4">
+                  <a:lumMod val="75000"/>
+                </a:schemeClr>
+              </a:solidFill>
+            </a:endParaRPr>
           </a:p>
         </p:txBody>
       </p:sp>
@@ -7568,15 +7875,22 @@
           <a:lstStyle/>
           <a:p>
             <a:r>
-              <a:rPr lang="en-GB" sz="3200" dirty="0">
+              <a:rPr lang="en-GB" sz="3200" dirty="0" smtClean="0">
                 <a:solidFill>
                   <a:schemeClr val="accent4">
                     <a:lumMod val="75000"/>
                   </a:schemeClr>
                 </a:solidFill>
               </a:rPr>
-              <a:t>Play today!</a:t>
-            </a:r>
+              <a:t>Let’s Play!</a:t>
+            </a:r>
+            <a:endParaRPr lang="en-GB" sz="3200" dirty="0">
+              <a:solidFill>
+                <a:schemeClr val="accent4">
+                  <a:lumMod val="75000"/>
+                </a:schemeClr>
+              </a:solidFill>
+            </a:endParaRPr>
           </a:p>
           <a:p>
             <a:r>
@@ -7778,6 +8092,13 @@
   <p:transition spd="slow">
     <p:push dir="u"/>
   </p:transition>
+  <p:timing>
+    <p:tnLst>
+      <p:par>
+        <p:cTn id="1" dur="indefinite" restart="never" nodeType="tmRoot"/>
+      </p:par>
+    </p:tnLst>
+  </p:timing>
 </p:sld>
 </file>
 
@@ -7984,6 +8305,13 @@
   <p:transition spd="slow">
     <p:push dir="u"/>
   </p:transition>
+  <p:timing>
+    <p:tnLst>
+      <p:par>
+        <p:cTn id="1" dur="indefinite" restart="never" nodeType="tmRoot"/>
+      </p:par>
+    </p:tnLst>
+  </p:timing>
 </p:sld>
 </file>
 
@@ -8158,6 +8486,13 @@
   <p:transition spd="slow">
     <p:push dir="u"/>
   </p:transition>
+  <p:timing>
+    <p:tnLst>
+      <p:par>
+        <p:cTn id="1" dur="indefinite" restart="never" nodeType="tmRoot"/>
+      </p:par>
+    </p:tnLst>
+  </p:timing>
 </p:sld>
 </file>
 
@@ -8528,6 +8863,13 @@
   <p:clrMapOvr>
     <a:masterClrMapping/>
   </p:clrMapOvr>
+  <p:timing>
+    <p:tnLst>
+      <p:par>
+        <p:cTn id="1" dur="indefinite" restart="never" nodeType="tmRoot"/>
+      </p:par>
+    </p:tnLst>
+  </p:timing>
 </p:sld>
 </file>
 
@@ -8705,6 +9047,13 @@
   <p:transition spd="slow">
     <p:push dir="u"/>
   </p:transition>
+  <p:timing>
+    <p:tnLst>
+      <p:par>
+        <p:cTn id="1" dur="indefinite" restart="never" nodeType="tmRoot"/>
+      </p:par>
+    </p:tnLst>
+  </p:timing>
 </p:sld>
 </file>
 
@@ -8859,6 +9208,13 @@
   <p:transition spd="slow">
     <p:push dir="u"/>
   </p:transition>
+  <p:timing>
+    <p:tnLst>
+      <p:par>
+        <p:cTn id="1" dur="indefinite" restart="never" nodeType="tmRoot"/>
+      </p:par>
+    </p:tnLst>
+  </p:timing>
 </p:sld>
 </file>
 
@@ -9013,6 +9369,13 @@
   <p:transition spd="slow">
     <p:push dir="u"/>
   </p:transition>
+  <p:timing>
+    <p:tnLst>
+      <p:par>
+        <p:cTn id="1" dur="indefinite" restart="never" nodeType="tmRoot"/>
+      </p:par>
+    </p:tnLst>
+  </p:timing>
 </p:sld>
 </file>
 
@@ -9115,6 +9478,13 @@
   <p:transition spd="slow">
     <p:push dir="u"/>
   </p:transition>
+  <p:timing>
+    <p:tnLst>
+      <p:par>
+        <p:cTn id="1" dur="indefinite" restart="never" nodeType="tmRoot"/>
+      </p:par>
+    </p:tnLst>
+  </p:timing>
 </p:sld>
 </file>
 
